--- a/本番用スライド.pptx
+++ b/本番用スライド.pptx
@@ -5,7 +5,7 @@
     <p:sldMasterId id="2147483657" r:id="rId1"/>
   </p:sldMasterIdLst>
   <p:notesMasterIdLst>
-    <p:notesMasterId r:id="rId20"/>
+    <p:notesMasterId r:id="rId19"/>
   </p:notesMasterIdLst>
   <p:sldIdLst>
     <p:sldId id="257" r:id="rId2"/>
@@ -17,50 +17,49 @@
     <p:sldId id="260" r:id="rId8"/>
     <p:sldId id="266" r:id="rId9"/>
     <p:sldId id="267" r:id="rId10"/>
-    <p:sldId id="268" r:id="rId11"/>
-    <p:sldId id="261" r:id="rId12"/>
-    <p:sldId id="269" r:id="rId13"/>
-    <p:sldId id="270" r:id="rId14"/>
-    <p:sldId id="278" r:id="rId15"/>
-    <p:sldId id="271" r:id="rId16"/>
-    <p:sldId id="263" r:id="rId17"/>
-    <p:sldId id="273" r:id="rId18"/>
-    <p:sldId id="274" r:id="rId19"/>
+    <p:sldId id="261" r:id="rId11"/>
+    <p:sldId id="269" r:id="rId12"/>
+    <p:sldId id="270" r:id="rId13"/>
+    <p:sldId id="278" r:id="rId14"/>
+    <p:sldId id="271" r:id="rId15"/>
+    <p:sldId id="263" r:id="rId16"/>
+    <p:sldId id="273" r:id="rId17"/>
+    <p:sldId id="274" r:id="rId18"/>
   </p:sldIdLst>
   <p:sldSz cx="9144000" cy="5143500" type="screen16x9"/>
   <p:notesSz cx="6858000" cy="9144000"/>
   <p:embeddedFontLst>
     <p:embeddedFont>
       <p:font typeface="Meiryo" panose="020B0604030504040204" pitchFamily="34" charset="-128"/>
-      <p:regular r:id="rId21"/>
-      <p:bold r:id="rId22"/>
-      <p:italic r:id="rId23"/>
+      <p:regular r:id="rId20"/>
+      <p:bold r:id="rId21"/>
+      <p:italic r:id="rId22"/>
+      <p:boldItalic r:id="rId23"/>
+    </p:embeddedFont>
+    <p:embeddedFont>
+      <p:font typeface="Arvo"/>
+      <p:regular r:id="rId24"/>
+      <p:bold r:id="rId24"/>
+      <p:italic r:id="rId24"/>
       <p:boldItalic r:id="rId24"/>
     </p:embeddedFont>
     <p:embeddedFont>
-      <p:font typeface="Arvo" panose="02000000000000000000" pitchFamily="2" charset="0"/>
-      <p:regular r:id="rId25"/>
-      <p:bold r:id="rId25"/>
-      <p:italic r:id="rId25"/>
-      <p:boldItalic r:id="rId25"/>
+      <p:font typeface="Roboto Condensed"/>
+      <p:regular r:id="rId24"/>
+      <p:bold r:id="rId24"/>
+      <p:italic r:id="rId24"/>
+      <p:boldItalic r:id="rId24"/>
     </p:embeddedFont>
     <p:embeddedFont>
-      <p:font typeface="Roboto Condensed" panose="02000000000000000000" pitchFamily="2" charset="0"/>
-      <p:regular r:id="rId25"/>
-      <p:bold r:id="rId25"/>
-      <p:italic r:id="rId25"/>
-      <p:boldItalic r:id="rId25"/>
-    </p:embeddedFont>
-    <p:embeddedFont>
-      <p:font typeface="Roboto Condensed Light" panose="02000000000000000000" pitchFamily="2" charset="0"/>
-      <p:regular r:id="rId25"/>
-      <p:bold r:id="rId25"/>
-      <p:italic r:id="rId25"/>
-      <p:boldItalic r:id="rId25"/>
+      <p:font typeface="Roboto Condensed Light"/>
+      <p:regular r:id="rId24"/>
+      <p:bold r:id="rId24"/>
+      <p:italic r:id="rId24"/>
+      <p:boldItalic r:id="rId24"/>
     </p:embeddedFont>
     <p:embeddedFont>
       <p:font typeface="Segoe UI Emoji" panose="020B0502040204020203" pitchFamily="34" charset="0"/>
-      <p:regular r:id="rId26"/>
+      <p:regular r:id="rId25"/>
     </p:embeddedFont>
   </p:embeddedFontLst>
   <p:defaultTextStyle>
@@ -866,6 +865,115 @@
   <p:cSld>
     <p:spTree>
       <p:nvGrpSpPr>
+        <p:cNvPr id="1" name="Shape 217"/>
+        <p:cNvGrpSpPr/>
+        <p:nvPr/>
+      </p:nvGrpSpPr>
+      <p:grpSpPr>
+        <a:xfrm>
+          <a:off x="0" y="0"/>
+          <a:ext cx="0" cy="0"/>
+          <a:chOff x="0" y="0"/>
+          <a:chExt cx="0" cy="0"/>
+        </a:xfrm>
+      </p:grpSpPr>
+      <p:sp>
+        <p:nvSpPr>
+          <p:cNvPr id="218" name="Google Shape;218;g35f391192_029:notes"/>
+          <p:cNvSpPr>
+            <a:spLocks noGrp="1" noRot="1" noChangeAspect="1"/>
+          </p:cNvSpPr>
+          <p:nvPr>
+            <p:ph type="sldImg" idx="2"/>
+          </p:nvPr>
+        </p:nvSpPr>
+        <p:spPr>
+          <a:xfrm>
+            <a:off x="381000" y="685800"/>
+            <a:ext cx="6096000" cy="3429000"/>
+          </a:xfrm>
+          <a:custGeom>
+            <a:avLst/>
+            <a:gdLst/>
+            <a:ahLst/>
+            <a:cxnLst/>
+            <a:rect l="l" t="t" r="r" b="b"/>
+            <a:pathLst>
+              <a:path w="120000" h="120000" extrusionOk="0">
+                <a:moveTo>
+                  <a:pt x="0" y="0"/>
+                </a:moveTo>
+                <a:lnTo>
+                  <a:pt x="120000" y="0"/>
+                </a:lnTo>
+                <a:lnTo>
+                  <a:pt x="120000" y="120000"/>
+                </a:lnTo>
+                <a:lnTo>
+                  <a:pt x="0" y="120000"/>
+                </a:lnTo>
+                <a:close/>
+              </a:path>
+            </a:pathLst>
+          </a:custGeom>
+        </p:spPr>
+      </p:sp>
+      <p:sp>
+        <p:nvSpPr>
+          <p:cNvPr id="219" name="Google Shape;219;g35f391192_029:notes"/>
+          <p:cNvSpPr txBox="1">
+            <a:spLocks noGrp="1"/>
+          </p:cNvSpPr>
+          <p:nvPr>
+            <p:ph type="body" idx="1"/>
+          </p:nvPr>
+        </p:nvSpPr>
+        <p:spPr>
+          <a:xfrm>
+            <a:off x="685800" y="4343400"/>
+            <a:ext cx="5486400" cy="4114800"/>
+          </a:xfrm>
+          <a:prstGeom prst="rect">
+            <a:avLst/>
+          </a:prstGeom>
+        </p:spPr>
+        <p:txBody>
+          <a:bodyPr spcFirstLastPara="1" wrap="square" lIns="91425" tIns="91425" rIns="91425" bIns="91425" anchor="t" anchorCtr="0">
+            <a:noAutofit/>
+          </a:bodyPr>
+          <a:lstStyle/>
+          <a:p>
+            <a:pPr marL="0" lvl="0" indent="0" algn="l" rtl="0">
+              <a:spcBef>
+                <a:spcPts val="0"/>
+              </a:spcBef>
+              <a:spcAft>
+                <a:spcPts val="0"/>
+              </a:spcAft>
+              <a:buNone/>
+            </a:pPr>
+            <a:endParaRPr/>
+          </a:p>
+        </p:txBody>
+      </p:sp>
+    </p:spTree>
+    <p:extLst>
+      <p:ext uri="{BB962C8B-B14F-4D97-AF65-F5344CB8AC3E}">
+        <p14:creationId xmlns:p14="http://schemas.microsoft.com/office/powerpoint/2010/main" val="232368083"/>
+      </p:ext>
+    </p:extLst>
+  </p:cSld>
+  <p:clrMapOvr>
+    <a:masterClrMapping/>
+  </p:clrMapOvr>
+</p:notes>
+</file>
+
+<file path=ppt/notesSlides/notesSlide11.xml><?xml version="1.0" encoding="utf-8"?>
+<p:notes xmlns:a="http://schemas.openxmlformats.org/drawingml/2006/main" xmlns:r="http://schemas.openxmlformats.org/officeDocument/2006/relationships" xmlns:p="http://schemas.openxmlformats.org/presentationml/2006/main" showMasterSp="0" showMasterPhAnim="0">
+  <p:cSld>
+    <p:spTree>
+      <p:nvGrpSpPr>
         <p:cNvPr id="1" name="Shape 263"/>
         <p:cNvGrpSpPr/>
         <p:nvPr/>
@@ -960,116 +1068,7 @@
     </p:spTree>
     <p:extLst>
       <p:ext uri="{BB962C8B-B14F-4D97-AF65-F5344CB8AC3E}">
-        <p14:creationId xmlns:p14="http://schemas.microsoft.com/office/powerpoint/2010/main" val="4145646162"/>
-      </p:ext>
-    </p:extLst>
-  </p:cSld>
-  <p:clrMapOvr>
-    <a:masterClrMapping/>
-  </p:clrMapOvr>
-</p:notes>
-</file>
-
-<file path=ppt/notesSlides/notesSlide11.xml><?xml version="1.0" encoding="utf-8"?>
-<p:notes xmlns:a="http://schemas.openxmlformats.org/drawingml/2006/main" xmlns:r="http://schemas.openxmlformats.org/officeDocument/2006/relationships" xmlns:p="http://schemas.openxmlformats.org/presentationml/2006/main" showMasterSp="0" showMasterPhAnim="0">
-  <p:cSld>
-    <p:spTree>
-      <p:nvGrpSpPr>
-        <p:cNvPr id="1" name="Shape 217"/>
-        <p:cNvGrpSpPr/>
-        <p:nvPr/>
-      </p:nvGrpSpPr>
-      <p:grpSpPr>
-        <a:xfrm>
-          <a:off x="0" y="0"/>
-          <a:ext cx="0" cy="0"/>
-          <a:chOff x="0" y="0"/>
-          <a:chExt cx="0" cy="0"/>
-        </a:xfrm>
-      </p:grpSpPr>
-      <p:sp>
-        <p:nvSpPr>
-          <p:cNvPr id="218" name="Google Shape;218;g35f391192_029:notes"/>
-          <p:cNvSpPr>
-            <a:spLocks noGrp="1" noRot="1" noChangeAspect="1"/>
-          </p:cNvSpPr>
-          <p:nvPr>
-            <p:ph type="sldImg" idx="2"/>
-          </p:nvPr>
-        </p:nvSpPr>
-        <p:spPr>
-          <a:xfrm>
-            <a:off x="381000" y="685800"/>
-            <a:ext cx="6096000" cy="3429000"/>
-          </a:xfrm>
-          <a:custGeom>
-            <a:avLst/>
-            <a:gdLst/>
-            <a:ahLst/>
-            <a:cxnLst/>
-            <a:rect l="l" t="t" r="r" b="b"/>
-            <a:pathLst>
-              <a:path w="120000" h="120000" extrusionOk="0">
-                <a:moveTo>
-                  <a:pt x="0" y="0"/>
-                </a:moveTo>
-                <a:lnTo>
-                  <a:pt x="120000" y="0"/>
-                </a:lnTo>
-                <a:lnTo>
-                  <a:pt x="120000" y="120000"/>
-                </a:lnTo>
-                <a:lnTo>
-                  <a:pt x="0" y="120000"/>
-                </a:lnTo>
-                <a:close/>
-              </a:path>
-            </a:pathLst>
-          </a:custGeom>
-        </p:spPr>
-      </p:sp>
-      <p:sp>
-        <p:nvSpPr>
-          <p:cNvPr id="219" name="Google Shape;219;g35f391192_029:notes"/>
-          <p:cNvSpPr txBox="1">
-            <a:spLocks noGrp="1"/>
-          </p:cNvSpPr>
-          <p:nvPr>
-            <p:ph type="body" idx="1"/>
-          </p:nvPr>
-        </p:nvSpPr>
-        <p:spPr>
-          <a:xfrm>
-            <a:off x="685800" y="4343400"/>
-            <a:ext cx="5486400" cy="4114800"/>
-          </a:xfrm>
-          <a:prstGeom prst="rect">
-            <a:avLst/>
-          </a:prstGeom>
-        </p:spPr>
-        <p:txBody>
-          <a:bodyPr spcFirstLastPara="1" wrap="square" lIns="91425" tIns="91425" rIns="91425" bIns="91425" anchor="t" anchorCtr="0">
-            <a:noAutofit/>
-          </a:bodyPr>
-          <a:lstStyle/>
-          <a:p>
-            <a:pPr marL="0" lvl="0" indent="0" algn="l" rtl="0">
-              <a:spcBef>
-                <a:spcPts val="0"/>
-              </a:spcBef>
-              <a:spcAft>
-                <a:spcPts val="0"/>
-              </a:spcAft>
-              <a:buNone/>
-            </a:pPr>
-            <a:endParaRPr/>
-          </a:p>
-        </p:txBody>
-      </p:sp>
-    </p:spTree>
-    <p:extLst>
-      <p:ext uri="{BB962C8B-B14F-4D97-AF65-F5344CB8AC3E}">
-        <p14:creationId xmlns:p14="http://schemas.microsoft.com/office/powerpoint/2010/main" val="232368083"/>
+        <p14:creationId xmlns:p14="http://schemas.microsoft.com/office/powerpoint/2010/main" val="879689165"/>
       </p:ext>
     </p:extLst>
   </p:cSld>
@@ -1178,7 +1177,7 @@
     </p:spTree>
     <p:extLst>
       <p:ext uri="{BB962C8B-B14F-4D97-AF65-F5344CB8AC3E}">
-        <p14:creationId xmlns:p14="http://schemas.microsoft.com/office/powerpoint/2010/main" val="879689165"/>
+        <p14:creationId xmlns:p14="http://schemas.microsoft.com/office/powerpoint/2010/main" val="2560226125"/>
       </p:ext>
     </p:extLst>
   </p:cSld>
@@ -1189,6 +1188,115 @@
 </file>
 
 <file path=ppt/notesSlides/notesSlide13.xml><?xml version="1.0" encoding="utf-8"?>
+<p:notes xmlns:a="http://schemas.openxmlformats.org/drawingml/2006/main" xmlns:r="http://schemas.openxmlformats.org/officeDocument/2006/relationships" xmlns:p="http://schemas.openxmlformats.org/presentationml/2006/main" showMasterSp="0" showMasterPhAnim="0">
+  <p:cSld>
+    <p:spTree>
+      <p:nvGrpSpPr>
+        <p:cNvPr id="1" name="Shape 490"/>
+        <p:cNvGrpSpPr/>
+        <p:nvPr/>
+      </p:nvGrpSpPr>
+      <p:grpSpPr>
+        <a:xfrm>
+          <a:off x="0" y="0"/>
+          <a:ext cx="0" cy="0"/>
+          <a:chOff x="0" y="0"/>
+          <a:chExt cx="0" cy="0"/>
+        </a:xfrm>
+      </p:grpSpPr>
+      <p:sp>
+        <p:nvSpPr>
+          <p:cNvPr id="491" name="Google Shape;491;g35ed75ccf_0113:notes"/>
+          <p:cNvSpPr>
+            <a:spLocks noGrp="1" noRot="1" noChangeAspect="1"/>
+          </p:cNvSpPr>
+          <p:nvPr>
+            <p:ph type="sldImg" idx="2"/>
+          </p:nvPr>
+        </p:nvSpPr>
+        <p:spPr>
+          <a:xfrm>
+            <a:off x="381000" y="685800"/>
+            <a:ext cx="6096000" cy="3429000"/>
+          </a:xfrm>
+          <a:custGeom>
+            <a:avLst/>
+            <a:gdLst/>
+            <a:ahLst/>
+            <a:cxnLst/>
+            <a:rect l="l" t="t" r="r" b="b"/>
+            <a:pathLst>
+              <a:path w="120000" h="120000" extrusionOk="0">
+                <a:moveTo>
+                  <a:pt x="0" y="0"/>
+                </a:moveTo>
+                <a:lnTo>
+                  <a:pt x="120000" y="0"/>
+                </a:lnTo>
+                <a:lnTo>
+                  <a:pt x="120000" y="120000"/>
+                </a:lnTo>
+                <a:lnTo>
+                  <a:pt x="0" y="120000"/>
+                </a:lnTo>
+                <a:close/>
+              </a:path>
+            </a:pathLst>
+          </a:custGeom>
+        </p:spPr>
+      </p:sp>
+      <p:sp>
+        <p:nvSpPr>
+          <p:cNvPr id="492" name="Google Shape;492;g35ed75ccf_0113:notes"/>
+          <p:cNvSpPr txBox="1">
+            <a:spLocks noGrp="1"/>
+          </p:cNvSpPr>
+          <p:nvPr>
+            <p:ph type="body" idx="1"/>
+          </p:nvPr>
+        </p:nvSpPr>
+        <p:spPr>
+          <a:xfrm>
+            <a:off x="685800" y="4343400"/>
+            <a:ext cx="5486400" cy="4114800"/>
+          </a:xfrm>
+          <a:prstGeom prst="rect">
+            <a:avLst/>
+          </a:prstGeom>
+        </p:spPr>
+        <p:txBody>
+          <a:bodyPr spcFirstLastPara="1" wrap="square" lIns="91425" tIns="91425" rIns="91425" bIns="91425" anchor="t" anchorCtr="0">
+            <a:noAutofit/>
+          </a:bodyPr>
+          <a:lstStyle/>
+          <a:p>
+            <a:pPr marL="0" lvl="0" indent="0" algn="l" rtl="0">
+              <a:spcBef>
+                <a:spcPts val="0"/>
+              </a:spcBef>
+              <a:spcAft>
+                <a:spcPts val="0"/>
+              </a:spcAft>
+              <a:buNone/>
+            </a:pPr>
+            <a:endParaRPr/>
+          </a:p>
+        </p:txBody>
+      </p:sp>
+    </p:spTree>
+    <p:extLst>
+      <p:ext uri="{BB962C8B-B14F-4D97-AF65-F5344CB8AC3E}">
+        <p14:creationId xmlns:p14="http://schemas.microsoft.com/office/powerpoint/2010/main" val="518683793"/>
+      </p:ext>
+    </p:extLst>
+  </p:cSld>
+  <p:clrMapOvr>
+    <a:masterClrMapping/>
+  </p:clrMapOvr>
+</p:notes>
+</file>
+
+<file path=ppt/notesSlides/notesSlide14.xml><?xml version="1.0" encoding="utf-8"?>
 <p:notes xmlns:a="http://schemas.openxmlformats.org/drawingml/2006/main" xmlns:r="http://schemas.openxmlformats.org/officeDocument/2006/relationships" xmlns:p="http://schemas.openxmlformats.org/presentationml/2006/main" showMasterSp="0" showMasterPhAnim="0">
   <p:cSld>
     <p:spTree>
@@ -1287,7 +1395,7 @@
     </p:spTree>
     <p:extLst>
       <p:ext uri="{BB962C8B-B14F-4D97-AF65-F5344CB8AC3E}">
-        <p14:creationId xmlns:p14="http://schemas.microsoft.com/office/powerpoint/2010/main" val="2560226125"/>
+        <p14:creationId xmlns:p14="http://schemas.microsoft.com/office/powerpoint/2010/main" val="496098212"/>
       </p:ext>
     </p:extLst>
   </p:cSld>
@@ -1297,12 +1405,12 @@
 </p:notes>
 </file>
 
-<file path=ppt/notesSlides/notesSlide14.xml><?xml version="1.0" encoding="utf-8"?>
+<file path=ppt/notesSlides/notesSlide15.xml><?xml version="1.0" encoding="utf-8"?>
 <p:notes xmlns:a="http://schemas.openxmlformats.org/drawingml/2006/main" xmlns:r="http://schemas.openxmlformats.org/officeDocument/2006/relationships" xmlns:p="http://schemas.openxmlformats.org/presentationml/2006/main" showMasterSp="0" showMasterPhAnim="0">
   <p:cSld>
     <p:spTree>
       <p:nvGrpSpPr>
-        <p:cNvPr id="1" name="Shape 490"/>
+        <p:cNvPr id="1" name="Shape 217"/>
         <p:cNvGrpSpPr/>
         <p:nvPr/>
       </p:nvGrpSpPr>
@@ -1316,7 +1424,7 @@
       </p:grpSpPr>
       <p:sp>
         <p:nvSpPr>
-          <p:cNvPr id="491" name="Google Shape;491;g35ed75ccf_0113:notes"/>
+          <p:cNvPr id="218" name="Google Shape;218;g35f391192_029:notes"/>
           <p:cNvSpPr>
             <a:spLocks noGrp="1" noRot="1" noChangeAspect="1"/>
           </p:cNvSpPr>
@@ -1357,7 +1465,7 @@
       </p:sp>
       <p:sp>
         <p:nvSpPr>
-          <p:cNvPr id="492" name="Google Shape;492;g35ed75ccf_0113:notes"/>
+          <p:cNvPr id="219" name="Google Shape;219;g35f391192_029:notes"/>
           <p:cNvSpPr txBox="1">
             <a:spLocks noGrp="1"/>
           </p:cNvSpPr>
@@ -1396,7 +1504,7 @@
     </p:spTree>
     <p:extLst>
       <p:ext uri="{BB962C8B-B14F-4D97-AF65-F5344CB8AC3E}">
-        <p14:creationId xmlns:p14="http://schemas.microsoft.com/office/powerpoint/2010/main" val="518683793"/>
+        <p14:creationId xmlns:p14="http://schemas.microsoft.com/office/powerpoint/2010/main" val="4164858385"/>
       </p:ext>
     </p:extLst>
   </p:cSld>
@@ -1406,7 +1514,7 @@
 </p:notes>
 </file>
 
-<file path=ppt/notesSlides/notesSlide15.xml><?xml version="1.0" encoding="utf-8"?>
+<file path=ppt/notesSlides/notesSlide16.xml><?xml version="1.0" encoding="utf-8"?>
 <p:notes xmlns:a="http://schemas.openxmlformats.org/drawingml/2006/main" xmlns:r="http://schemas.openxmlformats.org/officeDocument/2006/relationships" xmlns:p="http://schemas.openxmlformats.org/presentationml/2006/main" showMasterSp="0" showMasterPhAnim="0">
   <p:cSld>
     <p:spTree>
@@ -1505,116 +1613,7 @@
     </p:spTree>
     <p:extLst>
       <p:ext uri="{BB962C8B-B14F-4D97-AF65-F5344CB8AC3E}">
-        <p14:creationId xmlns:p14="http://schemas.microsoft.com/office/powerpoint/2010/main" val="496098212"/>
-      </p:ext>
-    </p:extLst>
-  </p:cSld>
-  <p:clrMapOvr>
-    <a:masterClrMapping/>
-  </p:clrMapOvr>
-</p:notes>
-</file>
-
-<file path=ppt/notesSlides/notesSlide16.xml><?xml version="1.0" encoding="utf-8"?>
-<p:notes xmlns:a="http://schemas.openxmlformats.org/drawingml/2006/main" xmlns:r="http://schemas.openxmlformats.org/officeDocument/2006/relationships" xmlns:p="http://schemas.openxmlformats.org/presentationml/2006/main" showMasterSp="0" showMasterPhAnim="0">
-  <p:cSld>
-    <p:spTree>
-      <p:nvGrpSpPr>
-        <p:cNvPr id="1" name="Shape 217"/>
-        <p:cNvGrpSpPr/>
-        <p:nvPr/>
-      </p:nvGrpSpPr>
-      <p:grpSpPr>
-        <a:xfrm>
-          <a:off x="0" y="0"/>
-          <a:ext cx="0" cy="0"/>
-          <a:chOff x="0" y="0"/>
-          <a:chExt cx="0" cy="0"/>
-        </a:xfrm>
-      </p:grpSpPr>
-      <p:sp>
-        <p:nvSpPr>
-          <p:cNvPr id="218" name="Google Shape;218;g35f391192_029:notes"/>
-          <p:cNvSpPr>
-            <a:spLocks noGrp="1" noRot="1" noChangeAspect="1"/>
-          </p:cNvSpPr>
-          <p:nvPr>
-            <p:ph type="sldImg" idx="2"/>
-          </p:nvPr>
-        </p:nvSpPr>
-        <p:spPr>
-          <a:xfrm>
-            <a:off x="381000" y="685800"/>
-            <a:ext cx="6096000" cy="3429000"/>
-          </a:xfrm>
-          <a:custGeom>
-            <a:avLst/>
-            <a:gdLst/>
-            <a:ahLst/>
-            <a:cxnLst/>
-            <a:rect l="l" t="t" r="r" b="b"/>
-            <a:pathLst>
-              <a:path w="120000" h="120000" extrusionOk="0">
-                <a:moveTo>
-                  <a:pt x="0" y="0"/>
-                </a:moveTo>
-                <a:lnTo>
-                  <a:pt x="120000" y="0"/>
-                </a:lnTo>
-                <a:lnTo>
-                  <a:pt x="120000" y="120000"/>
-                </a:lnTo>
-                <a:lnTo>
-                  <a:pt x="0" y="120000"/>
-                </a:lnTo>
-                <a:close/>
-              </a:path>
-            </a:pathLst>
-          </a:custGeom>
-        </p:spPr>
-      </p:sp>
-      <p:sp>
-        <p:nvSpPr>
-          <p:cNvPr id="219" name="Google Shape;219;g35f391192_029:notes"/>
-          <p:cNvSpPr txBox="1">
-            <a:spLocks noGrp="1"/>
-          </p:cNvSpPr>
-          <p:nvPr>
-            <p:ph type="body" idx="1"/>
-          </p:nvPr>
-        </p:nvSpPr>
-        <p:spPr>
-          <a:xfrm>
-            <a:off x="685800" y="4343400"/>
-            <a:ext cx="5486400" cy="4114800"/>
-          </a:xfrm>
-          <a:prstGeom prst="rect">
-            <a:avLst/>
-          </a:prstGeom>
-        </p:spPr>
-        <p:txBody>
-          <a:bodyPr spcFirstLastPara="1" wrap="square" lIns="91425" tIns="91425" rIns="91425" bIns="91425" anchor="t" anchorCtr="0">
-            <a:noAutofit/>
-          </a:bodyPr>
-          <a:lstStyle/>
-          <a:p>
-            <a:pPr marL="0" lvl="0" indent="0" algn="l" rtl="0">
-              <a:spcBef>
-                <a:spcPts val="0"/>
-              </a:spcBef>
-              <a:spcAft>
-                <a:spcPts val="0"/>
-              </a:spcAft>
-              <a:buNone/>
-            </a:pPr>
-            <a:endParaRPr/>
-          </a:p>
-        </p:txBody>
-      </p:sp>
-    </p:spTree>
-    <p:extLst>
-      <p:ext uri="{BB962C8B-B14F-4D97-AF65-F5344CB8AC3E}">
-        <p14:creationId xmlns:p14="http://schemas.microsoft.com/office/powerpoint/2010/main" val="4164858385"/>
+        <p14:creationId xmlns:p14="http://schemas.microsoft.com/office/powerpoint/2010/main" val="1429031909"/>
       </p:ext>
     </p:extLst>
   </p:cSld>
@@ -1625,115 +1624,6 @@
 </file>
 
 <file path=ppt/notesSlides/notesSlide17.xml><?xml version="1.0" encoding="utf-8"?>
-<p:notes xmlns:a="http://schemas.openxmlformats.org/drawingml/2006/main" xmlns:r="http://schemas.openxmlformats.org/officeDocument/2006/relationships" xmlns:p="http://schemas.openxmlformats.org/presentationml/2006/main" showMasterSp="0" showMasterPhAnim="0">
-  <p:cSld>
-    <p:spTree>
-      <p:nvGrpSpPr>
-        <p:cNvPr id="1" name="Shape 263"/>
-        <p:cNvGrpSpPr/>
-        <p:nvPr/>
-      </p:nvGrpSpPr>
-      <p:grpSpPr>
-        <a:xfrm>
-          <a:off x="0" y="0"/>
-          <a:ext cx="0" cy="0"/>
-          <a:chOff x="0" y="0"/>
-          <a:chExt cx="0" cy="0"/>
-        </a:xfrm>
-      </p:grpSpPr>
-      <p:sp>
-        <p:nvSpPr>
-          <p:cNvPr id="264" name="Google Shape;264;g35f391192_017:notes"/>
-          <p:cNvSpPr>
-            <a:spLocks noGrp="1" noRot="1" noChangeAspect="1"/>
-          </p:cNvSpPr>
-          <p:nvPr>
-            <p:ph type="sldImg" idx="2"/>
-          </p:nvPr>
-        </p:nvSpPr>
-        <p:spPr>
-          <a:xfrm>
-            <a:off x="381000" y="685800"/>
-            <a:ext cx="6096000" cy="3429000"/>
-          </a:xfrm>
-          <a:custGeom>
-            <a:avLst/>
-            <a:gdLst/>
-            <a:ahLst/>
-            <a:cxnLst/>
-            <a:rect l="l" t="t" r="r" b="b"/>
-            <a:pathLst>
-              <a:path w="120000" h="120000" extrusionOk="0">
-                <a:moveTo>
-                  <a:pt x="0" y="0"/>
-                </a:moveTo>
-                <a:lnTo>
-                  <a:pt x="120000" y="0"/>
-                </a:lnTo>
-                <a:lnTo>
-                  <a:pt x="120000" y="120000"/>
-                </a:lnTo>
-                <a:lnTo>
-                  <a:pt x="0" y="120000"/>
-                </a:lnTo>
-                <a:close/>
-              </a:path>
-            </a:pathLst>
-          </a:custGeom>
-        </p:spPr>
-      </p:sp>
-      <p:sp>
-        <p:nvSpPr>
-          <p:cNvPr id="265" name="Google Shape;265;g35f391192_017:notes"/>
-          <p:cNvSpPr txBox="1">
-            <a:spLocks noGrp="1"/>
-          </p:cNvSpPr>
-          <p:nvPr>
-            <p:ph type="body" idx="1"/>
-          </p:nvPr>
-        </p:nvSpPr>
-        <p:spPr>
-          <a:xfrm>
-            <a:off x="685800" y="4343400"/>
-            <a:ext cx="5486400" cy="4114800"/>
-          </a:xfrm>
-          <a:prstGeom prst="rect">
-            <a:avLst/>
-          </a:prstGeom>
-        </p:spPr>
-        <p:txBody>
-          <a:bodyPr spcFirstLastPara="1" wrap="square" lIns="91425" tIns="91425" rIns="91425" bIns="91425" anchor="t" anchorCtr="0">
-            <a:noAutofit/>
-          </a:bodyPr>
-          <a:lstStyle/>
-          <a:p>
-            <a:pPr marL="0" lvl="0" indent="0" algn="l" rtl="0">
-              <a:spcBef>
-                <a:spcPts val="0"/>
-              </a:spcBef>
-              <a:spcAft>
-                <a:spcPts val="0"/>
-              </a:spcAft>
-              <a:buNone/>
-            </a:pPr>
-            <a:endParaRPr/>
-          </a:p>
-        </p:txBody>
-      </p:sp>
-    </p:spTree>
-    <p:extLst>
-      <p:ext uri="{BB962C8B-B14F-4D97-AF65-F5344CB8AC3E}">
-        <p14:creationId xmlns:p14="http://schemas.microsoft.com/office/powerpoint/2010/main" val="1429031909"/>
-      </p:ext>
-    </p:extLst>
-  </p:cSld>
-  <p:clrMapOvr>
-    <a:masterClrMapping/>
-  </p:clrMapOvr>
-</p:notes>
-</file>
-
-<file path=ppt/notesSlides/notesSlide18.xml><?xml version="1.0" encoding="utf-8"?>
 <p:notes xmlns:a="http://schemas.openxmlformats.org/drawingml/2006/main" xmlns:r="http://schemas.openxmlformats.org/officeDocument/2006/relationships" xmlns:p="http://schemas.openxmlformats.org/presentationml/2006/main" showMasterSp="0" showMasterPhAnim="0">
   <p:cSld>
     <p:spTree>
@@ -7400,881 +7290,6 @@
   <p:cSld>
     <p:spTree>
       <p:nvGrpSpPr>
-        <p:cNvPr id="1" name="Shape 266"/>
-        <p:cNvGrpSpPr/>
-        <p:nvPr/>
-      </p:nvGrpSpPr>
-      <p:grpSpPr>
-        <a:xfrm>
-          <a:off x="0" y="0"/>
-          <a:ext cx="0" cy="0"/>
-          <a:chOff x="0" y="0"/>
-          <a:chExt cx="0" cy="0"/>
-        </a:xfrm>
-      </p:grpSpPr>
-      <p:sp>
-        <p:nvSpPr>
-          <p:cNvPr id="267" name="Google Shape;267;p18"/>
-          <p:cNvSpPr txBox="1">
-            <a:spLocks noGrp="1"/>
-          </p:cNvSpPr>
-          <p:nvPr>
-            <p:ph type="body" idx="1"/>
-          </p:nvPr>
-        </p:nvSpPr>
-        <p:spPr>
-          <a:xfrm>
-            <a:off x="814275" y="1537988"/>
-            <a:ext cx="3378300" cy="2724300"/>
-          </a:xfrm>
-          <a:prstGeom prst="rect">
-            <a:avLst/>
-          </a:prstGeom>
-        </p:spPr>
-        <p:txBody>
-          <a:bodyPr spcFirstLastPara="1" wrap="square" lIns="91425" tIns="91425" rIns="91425" bIns="91425" anchor="t" anchorCtr="0">
-            <a:noAutofit/>
-          </a:bodyPr>
-          <a:lstStyle/>
-          <a:p>
-            <a:pPr marL="0" lvl="0" indent="0" algn="l" rtl="0">
-              <a:spcBef>
-                <a:spcPts val="600"/>
-              </a:spcBef>
-              <a:spcAft>
-                <a:spcPts val="0"/>
-              </a:spcAft>
-              <a:buNone/>
-            </a:pPr>
-            <a:r>
-              <a:rPr lang="en" b="1" dirty="0"/>
-              <a:t>White</a:t>
-            </a:r>
-            <a:endParaRPr b="1" dirty="0"/>
-          </a:p>
-          <a:p>
-            <a:pPr marL="0" lvl="0" indent="0" algn="l" rtl="0">
-              <a:spcBef>
-                <a:spcPts val="1000"/>
-              </a:spcBef>
-              <a:spcAft>
-                <a:spcPts val="1000"/>
-              </a:spcAft>
-              <a:buNone/>
-            </a:pPr>
-            <a:r>
-              <a:rPr lang="en" dirty="0"/>
-              <a:t>Is the color of milk and fresh snow, the color produced by the combination of all the colors of the visible spectrum.</a:t>
-            </a:r>
-            <a:endParaRPr dirty="0"/>
-          </a:p>
-        </p:txBody>
-      </p:sp>
-      <p:sp>
-        <p:nvSpPr>
-          <p:cNvPr id="268" name="Google Shape;268;p18"/>
-          <p:cNvSpPr txBox="1">
-            <a:spLocks noGrp="1"/>
-          </p:cNvSpPr>
-          <p:nvPr>
-            <p:ph type="title"/>
-          </p:nvPr>
-        </p:nvSpPr>
-        <p:spPr>
-          <a:xfrm>
-            <a:off x="814275" y="392575"/>
-            <a:ext cx="5258400" cy="766200"/>
-          </a:xfrm>
-          <a:prstGeom prst="rect">
-            <a:avLst/>
-          </a:prstGeom>
-        </p:spPr>
-        <p:txBody>
-          <a:bodyPr spcFirstLastPara="1" wrap="square" lIns="91425" tIns="91425" rIns="91425" bIns="91425" anchor="ctr" anchorCtr="0">
-            <a:noAutofit/>
-          </a:bodyPr>
-          <a:lstStyle/>
-          <a:p>
-            <a:pPr marL="0" lvl="0" indent="0" algn="l" rtl="0">
-              <a:spcBef>
-                <a:spcPts val="0"/>
-              </a:spcBef>
-              <a:spcAft>
-                <a:spcPts val="0"/>
-              </a:spcAft>
-              <a:buNone/>
-            </a:pPr>
-            <a:r>
-              <a:rPr lang="en" dirty="0">
-                <a:latin typeface="Segoe UI Emoji" panose="020B0502040204020203" pitchFamily="34" charset="0"/>
-                <a:ea typeface="Segoe UI Emoji" panose="020B0502040204020203" pitchFamily="34" charset="0"/>
-              </a:rPr>
-              <a:t>cubing</a:t>
-            </a:r>
-            <a:r>
-              <a:rPr lang="ja-JP" altLang="en-US">
-                <a:latin typeface="Meiryo" panose="020B0604030504040204" pitchFamily="34" charset="-128"/>
-                <a:ea typeface="Meiryo" panose="020B0604030504040204" pitchFamily="34" charset="-128"/>
-              </a:rPr>
-              <a:t>暗号の解読</a:t>
-            </a:r>
-            <a:endParaRPr dirty="0">
-              <a:latin typeface="Meiryo" panose="020B0604030504040204" pitchFamily="34" charset="-128"/>
-              <a:ea typeface="Meiryo" panose="020B0604030504040204" pitchFamily="34" charset="-128"/>
-            </a:endParaRPr>
-          </a:p>
-        </p:txBody>
-      </p:sp>
-      <p:sp>
-        <p:nvSpPr>
-          <p:cNvPr id="269" name="Google Shape;269;p18"/>
-          <p:cNvSpPr txBox="1">
-            <a:spLocks noGrp="1"/>
-          </p:cNvSpPr>
-          <p:nvPr>
-            <p:ph type="body" idx="2"/>
-          </p:nvPr>
-        </p:nvSpPr>
-        <p:spPr>
-          <a:xfrm>
-            <a:off x="4396123" y="1537988"/>
-            <a:ext cx="3378300" cy="2724300"/>
-          </a:xfrm>
-          <a:prstGeom prst="rect">
-            <a:avLst/>
-          </a:prstGeom>
-        </p:spPr>
-        <p:txBody>
-          <a:bodyPr spcFirstLastPara="1" wrap="square" lIns="91425" tIns="91425" rIns="91425" bIns="91425" anchor="t" anchorCtr="0">
-            <a:noAutofit/>
-          </a:bodyPr>
-          <a:lstStyle/>
-          <a:p>
-            <a:pPr marL="0" lvl="0" indent="0" algn="l" rtl="0">
-              <a:spcBef>
-                <a:spcPts val="600"/>
-              </a:spcBef>
-              <a:spcAft>
-                <a:spcPts val="0"/>
-              </a:spcAft>
-              <a:buNone/>
-            </a:pPr>
-            <a:r>
-              <a:rPr lang="en" b="1"/>
-              <a:t>Black</a:t>
-            </a:r>
-            <a:endParaRPr b="1"/>
-          </a:p>
-          <a:p>
-            <a:pPr marL="0" lvl="0" indent="0" algn="l" rtl="0">
-              <a:spcBef>
-                <a:spcPts val="1000"/>
-              </a:spcBef>
-              <a:spcAft>
-                <a:spcPts val="1000"/>
-              </a:spcAft>
-              <a:buNone/>
-            </a:pPr>
-            <a:r>
-              <a:rPr lang="en"/>
-              <a:t>Is the color of coal, ebony, and of outer space. It is the darkest color, the result of the absence of or complete absorption of light.</a:t>
-            </a:r>
-            <a:endParaRPr/>
-          </a:p>
-        </p:txBody>
-      </p:sp>
-      <p:sp>
-        <p:nvSpPr>
-          <p:cNvPr id="270" name="Google Shape;270;p18"/>
-          <p:cNvSpPr txBox="1">
-            <a:spLocks noGrp="1"/>
-          </p:cNvSpPr>
-          <p:nvPr>
-            <p:ph type="sldNum" idx="12"/>
-          </p:nvPr>
-        </p:nvSpPr>
-        <p:spPr>
-          <a:xfrm>
-            <a:off x="7618000" y="4636500"/>
-            <a:ext cx="1487400" cy="315600"/>
-          </a:xfrm>
-          <a:prstGeom prst="rect">
-            <a:avLst/>
-          </a:prstGeom>
-        </p:spPr>
-        <p:txBody>
-          <a:bodyPr spcFirstLastPara="1" wrap="square" lIns="91425" tIns="91425" rIns="91425" bIns="91425" anchor="ctr" anchorCtr="0">
-            <a:noAutofit/>
-          </a:bodyPr>
-          <a:lstStyle/>
-          <a:p>
-            <a:pPr marL="0" lvl="0" indent="0" algn="r" rtl="0">
-              <a:spcBef>
-                <a:spcPts val="0"/>
-              </a:spcBef>
-              <a:spcAft>
-                <a:spcPts val="0"/>
-              </a:spcAft>
-              <a:buNone/>
-            </a:pPr>
-            <a:fld id="{00000000-1234-1234-1234-123412341234}" type="slidenum">
-              <a:rPr lang="en"/>
-              <a:t>10</a:t>
-            </a:fld>
-            <a:endParaRPr/>
-          </a:p>
-        </p:txBody>
-      </p:sp>
-      <p:grpSp>
-        <p:nvGrpSpPr>
-          <p:cNvPr id="271" name="Google Shape;271;p18"/>
-          <p:cNvGrpSpPr/>
-          <p:nvPr/>
-        </p:nvGrpSpPr>
-        <p:grpSpPr>
-          <a:xfrm>
-            <a:off x="312466" y="587260"/>
-            <a:ext cx="309022" cy="376837"/>
-            <a:chOff x="596350" y="929175"/>
-            <a:chExt cx="407950" cy="497475"/>
-          </a:xfrm>
-        </p:grpSpPr>
-        <p:sp>
-          <p:nvSpPr>
-            <p:cNvPr id="272" name="Google Shape;272;p18"/>
-            <p:cNvSpPr/>
-            <p:nvPr/>
-          </p:nvSpPr>
-          <p:spPr>
-            <a:xfrm>
-              <a:off x="596350" y="953550"/>
-              <a:ext cx="387250" cy="473100"/>
-            </a:xfrm>
-            <a:custGeom>
-              <a:avLst/>
-              <a:gdLst/>
-              <a:ahLst/>
-              <a:cxnLst/>
-              <a:rect l="l" t="t" r="r" b="b"/>
-              <a:pathLst>
-                <a:path w="15490" h="18924" fill="none" extrusionOk="0">
-                  <a:moveTo>
-                    <a:pt x="15490" y="17828"/>
-                  </a:moveTo>
-                  <a:lnTo>
-                    <a:pt x="15490" y="17828"/>
-                  </a:lnTo>
-                  <a:lnTo>
-                    <a:pt x="15466" y="17998"/>
-                  </a:lnTo>
-                  <a:lnTo>
-                    <a:pt x="15417" y="18169"/>
-                  </a:lnTo>
-                  <a:lnTo>
-                    <a:pt x="15319" y="18364"/>
-                  </a:lnTo>
-                  <a:lnTo>
-                    <a:pt x="15198" y="18534"/>
-                  </a:lnTo>
-                  <a:lnTo>
-                    <a:pt x="15052" y="18680"/>
-                  </a:lnTo>
-                  <a:lnTo>
-                    <a:pt x="14881" y="18802"/>
-                  </a:lnTo>
-                  <a:lnTo>
-                    <a:pt x="14735" y="18900"/>
-                  </a:lnTo>
-                  <a:lnTo>
-                    <a:pt x="14564" y="18924"/>
-                  </a:lnTo>
-                  <a:lnTo>
-                    <a:pt x="1023" y="18924"/>
-                  </a:lnTo>
-                  <a:lnTo>
-                    <a:pt x="1023" y="18924"/>
-                  </a:lnTo>
-                  <a:lnTo>
-                    <a:pt x="853" y="18900"/>
-                  </a:lnTo>
-                  <a:lnTo>
-                    <a:pt x="682" y="18802"/>
-                  </a:lnTo>
-                  <a:lnTo>
-                    <a:pt x="512" y="18680"/>
-                  </a:lnTo>
-                  <a:lnTo>
-                    <a:pt x="341" y="18534"/>
-                  </a:lnTo>
-                  <a:lnTo>
-                    <a:pt x="219" y="18364"/>
-                  </a:lnTo>
-                  <a:lnTo>
-                    <a:pt x="98" y="18169"/>
-                  </a:lnTo>
-                  <a:lnTo>
-                    <a:pt x="25" y="17998"/>
-                  </a:lnTo>
-                  <a:lnTo>
-                    <a:pt x="0" y="17828"/>
-                  </a:lnTo>
-                  <a:lnTo>
-                    <a:pt x="0" y="877"/>
-                  </a:lnTo>
-                  <a:lnTo>
-                    <a:pt x="0" y="877"/>
-                  </a:lnTo>
-                  <a:lnTo>
-                    <a:pt x="25" y="706"/>
-                  </a:lnTo>
-                  <a:lnTo>
-                    <a:pt x="98" y="560"/>
-                  </a:lnTo>
-                  <a:lnTo>
-                    <a:pt x="195" y="414"/>
-                  </a:lnTo>
-                  <a:lnTo>
-                    <a:pt x="341" y="268"/>
-                  </a:lnTo>
-                  <a:lnTo>
-                    <a:pt x="487" y="171"/>
-                  </a:lnTo>
-                  <a:lnTo>
-                    <a:pt x="658" y="73"/>
-                  </a:lnTo>
-                  <a:lnTo>
-                    <a:pt x="828" y="24"/>
-                  </a:lnTo>
-                  <a:lnTo>
-                    <a:pt x="974" y="0"/>
-                  </a:lnTo>
-                </a:path>
-              </a:pathLst>
-            </a:custGeom>
-            <a:noFill/>
-            <a:ln w="12175" cap="rnd" cmpd="sng">
-              <a:solidFill>
-                <a:srgbClr val="FF9800"/>
-              </a:solidFill>
-              <a:prstDash val="solid"/>
-              <a:round/>
-              <a:headEnd type="none" w="sm" len="sm"/>
-              <a:tailEnd type="none" w="sm" len="sm"/>
-            </a:ln>
-          </p:spPr>
-          <p:txBody>
-            <a:bodyPr spcFirstLastPara="1" wrap="square" lIns="91425" tIns="91425" rIns="91425" bIns="91425" anchor="ctr" anchorCtr="0">
-              <a:noAutofit/>
-            </a:bodyPr>
-            <a:lstStyle/>
-            <a:p>
-              <a:pPr marL="0" lvl="0" indent="0" algn="l" rtl="0">
-                <a:spcBef>
-                  <a:spcPts val="0"/>
-                </a:spcBef>
-                <a:spcAft>
-                  <a:spcPts val="0"/>
-                </a:spcAft>
-                <a:buNone/>
-              </a:pPr>
-              <a:endParaRPr/>
-            </a:p>
-          </p:txBody>
-        </p:sp>
-        <p:sp>
-          <p:nvSpPr>
-            <p:cNvPr id="273" name="Google Shape;273;p18"/>
-            <p:cNvSpPr/>
-            <p:nvPr/>
-          </p:nvSpPr>
-          <p:spPr>
-            <a:xfrm>
-              <a:off x="626775" y="929175"/>
-              <a:ext cx="377525" cy="462775"/>
-            </a:xfrm>
-            <a:custGeom>
-              <a:avLst/>
-              <a:gdLst/>
-              <a:ahLst/>
-              <a:cxnLst/>
-              <a:rect l="l" t="t" r="r" b="b"/>
-              <a:pathLst>
-                <a:path w="15101" h="18511" fill="none" extrusionOk="0">
-                  <a:moveTo>
-                    <a:pt x="15101" y="3362"/>
-                  </a:moveTo>
-                  <a:lnTo>
-                    <a:pt x="15101" y="17731"/>
-                  </a:lnTo>
-                  <a:lnTo>
-                    <a:pt x="15101" y="17731"/>
-                  </a:lnTo>
-                  <a:lnTo>
-                    <a:pt x="15077" y="17877"/>
-                  </a:lnTo>
-                  <a:lnTo>
-                    <a:pt x="15028" y="18024"/>
-                  </a:lnTo>
-                  <a:lnTo>
-                    <a:pt x="14979" y="18145"/>
-                  </a:lnTo>
-                  <a:lnTo>
-                    <a:pt x="14882" y="18267"/>
-                  </a:lnTo>
-                  <a:lnTo>
-                    <a:pt x="14760" y="18365"/>
-                  </a:lnTo>
-                  <a:lnTo>
-                    <a:pt x="14614" y="18438"/>
-                  </a:lnTo>
-                  <a:lnTo>
-                    <a:pt x="14468" y="18486"/>
-                  </a:lnTo>
-                  <a:lnTo>
-                    <a:pt x="14322" y="18511"/>
-                  </a:lnTo>
-                  <a:lnTo>
-                    <a:pt x="780" y="18511"/>
-                  </a:lnTo>
-                  <a:lnTo>
-                    <a:pt x="780" y="18511"/>
-                  </a:lnTo>
-                  <a:lnTo>
-                    <a:pt x="634" y="18486"/>
-                  </a:lnTo>
-                  <a:lnTo>
-                    <a:pt x="488" y="18438"/>
-                  </a:lnTo>
-                  <a:lnTo>
-                    <a:pt x="342" y="18365"/>
-                  </a:lnTo>
-                  <a:lnTo>
-                    <a:pt x="220" y="18267"/>
-                  </a:lnTo>
-                  <a:lnTo>
-                    <a:pt x="123" y="18145"/>
-                  </a:lnTo>
-                  <a:lnTo>
-                    <a:pt x="74" y="18024"/>
-                  </a:lnTo>
-                  <a:lnTo>
-                    <a:pt x="25" y="17877"/>
-                  </a:lnTo>
-                  <a:lnTo>
-                    <a:pt x="1" y="17731"/>
-                  </a:lnTo>
-                  <a:lnTo>
-                    <a:pt x="1" y="780"/>
-                  </a:lnTo>
-                  <a:lnTo>
-                    <a:pt x="1" y="780"/>
-                  </a:lnTo>
-                  <a:lnTo>
-                    <a:pt x="25" y="610"/>
-                  </a:lnTo>
-                  <a:lnTo>
-                    <a:pt x="74" y="464"/>
-                  </a:lnTo>
-                  <a:lnTo>
-                    <a:pt x="123" y="342"/>
-                  </a:lnTo>
-                  <a:lnTo>
-                    <a:pt x="220" y="220"/>
-                  </a:lnTo>
-                  <a:lnTo>
-                    <a:pt x="342" y="123"/>
-                  </a:lnTo>
-                  <a:lnTo>
-                    <a:pt x="488" y="50"/>
-                  </a:lnTo>
-                  <a:lnTo>
-                    <a:pt x="634" y="1"/>
-                  </a:lnTo>
-                  <a:lnTo>
-                    <a:pt x="780" y="1"/>
-                  </a:lnTo>
-                  <a:lnTo>
-                    <a:pt x="11740" y="1"/>
-                  </a:lnTo>
-                </a:path>
-              </a:pathLst>
-            </a:custGeom>
-            <a:noFill/>
-            <a:ln w="12175" cap="rnd" cmpd="sng">
-              <a:solidFill>
-                <a:srgbClr val="FF9800"/>
-              </a:solidFill>
-              <a:prstDash val="solid"/>
-              <a:round/>
-              <a:headEnd type="none" w="sm" len="sm"/>
-              <a:tailEnd type="none" w="sm" len="sm"/>
-            </a:ln>
-          </p:spPr>
-          <p:txBody>
-            <a:bodyPr spcFirstLastPara="1" wrap="square" lIns="91425" tIns="91425" rIns="91425" bIns="91425" anchor="ctr" anchorCtr="0">
-              <a:noAutofit/>
-            </a:bodyPr>
-            <a:lstStyle/>
-            <a:p>
-              <a:pPr marL="0" lvl="0" indent="0" algn="l" rtl="0">
-                <a:spcBef>
-                  <a:spcPts val="0"/>
-                </a:spcBef>
-                <a:spcAft>
-                  <a:spcPts val="0"/>
-                </a:spcAft>
-                <a:buNone/>
-              </a:pPr>
-              <a:endParaRPr/>
-            </a:p>
-          </p:txBody>
-        </p:sp>
-        <p:sp>
-          <p:nvSpPr>
-            <p:cNvPr id="274" name="Google Shape;274;p18"/>
-            <p:cNvSpPr/>
-            <p:nvPr/>
-          </p:nvSpPr>
-          <p:spPr>
-            <a:xfrm>
-              <a:off x="688900" y="1256150"/>
-              <a:ext cx="133975" cy="25"/>
-            </a:xfrm>
-            <a:custGeom>
-              <a:avLst/>
-              <a:gdLst/>
-              <a:ahLst/>
-              <a:cxnLst/>
-              <a:rect l="l" t="t" r="r" b="b"/>
-              <a:pathLst>
-                <a:path w="5359" h="1" fill="none" extrusionOk="0">
-                  <a:moveTo>
-                    <a:pt x="5358" y="0"/>
-                  </a:moveTo>
-                  <a:lnTo>
-                    <a:pt x="0" y="0"/>
-                  </a:lnTo>
-                </a:path>
-              </a:pathLst>
-            </a:custGeom>
-            <a:noFill/>
-            <a:ln w="12175" cap="rnd" cmpd="sng">
-              <a:solidFill>
-                <a:srgbClr val="FF9800"/>
-              </a:solidFill>
-              <a:prstDash val="solid"/>
-              <a:round/>
-              <a:headEnd type="none" w="sm" len="sm"/>
-              <a:tailEnd type="none" w="sm" len="sm"/>
-            </a:ln>
-          </p:spPr>
-          <p:txBody>
-            <a:bodyPr spcFirstLastPara="1" wrap="square" lIns="91425" tIns="91425" rIns="91425" bIns="91425" anchor="ctr" anchorCtr="0">
-              <a:noAutofit/>
-            </a:bodyPr>
-            <a:lstStyle/>
-            <a:p>
-              <a:pPr marL="0" lvl="0" indent="0" algn="l" rtl="0">
-                <a:spcBef>
-                  <a:spcPts val="0"/>
-                </a:spcBef>
-                <a:spcAft>
-                  <a:spcPts val="0"/>
-                </a:spcAft>
-                <a:buNone/>
-              </a:pPr>
-              <a:endParaRPr/>
-            </a:p>
-          </p:txBody>
-        </p:sp>
-        <p:sp>
-          <p:nvSpPr>
-            <p:cNvPr id="275" name="Google Shape;275;p18"/>
-            <p:cNvSpPr/>
-            <p:nvPr/>
-          </p:nvSpPr>
-          <p:spPr>
-            <a:xfrm>
-              <a:off x="688900" y="1201350"/>
-              <a:ext cx="255750" cy="25"/>
-            </a:xfrm>
-            <a:custGeom>
-              <a:avLst/>
-              <a:gdLst/>
-              <a:ahLst/>
-              <a:cxnLst/>
-              <a:rect l="l" t="t" r="r" b="b"/>
-              <a:pathLst>
-                <a:path w="10230" h="1" fill="none" extrusionOk="0">
-                  <a:moveTo>
-                    <a:pt x="10229" y="1"/>
-                  </a:moveTo>
-                  <a:lnTo>
-                    <a:pt x="0" y="1"/>
-                  </a:lnTo>
-                </a:path>
-              </a:pathLst>
-            </a:custGeom>
-            <a:noFill/>
-            <a:ln w="12175" cap="rnd" cmpd="sng">
-              <a:solidFill>
-                <a:srgbClr val="FF9800"/>
-              </a:solidFill>
-              <a:prstDash val="solid"/>
-              <a:round/>
-              <a:headEnd type="none" w="sm" len="sm"/>
-              <a:tailEnd type="none" w="sm" len="sm"/>
-            </a:ln>
-          </p:spPr>
-          <p:txBody>
-            <a:bodyPr spcFirstLastPara="1" wrap="square" lIns="91425" tIns="91425" rIns="91425" bIns="91425" anchor="ctr" anchorCtr="0">
-              <a:noAutofit/>
-            </a:bodyPr>
-            <a:lstStyle/>
-            <a:p>
-              <a:pPr marL="0" lvl="0" indent="0" algn="l" rtl="0">
-                <a:spcBef>
-                  <a:spcPts val="0"/>
-                </a:spcBef>
-                <a:spcAft>
-                  <a:spcPts val="0"/>
-                </a:spcAft>
-                <a:buNone/>
-              </a:pPr>
-              <a:endParaRPr/>
-            </a:p>
-          </p:txBody>
-        </p:sp>
-        <p:sp>
-          <p:nvSpPr>
-            <p:cNvPr id="276" name="Google Shape;276;p18"/>
-            <p:cNvSpPr/>
-            <p:nvPr/>
-          </p:nvSpPr>
-          <p:spPr>
-            <a:xfrm>
-              <a:off x="688900" y="1145950"/>
-              <a:ext cx="255750" cy="25"/>
-            </a:xfrm>
-            <a:custGeom>
-              <a:avLst/>
-              <a:gdLst/>
-              <a:ahLst/>
-              <a:cxnLst/>
-              <a:rect l="l" t="t" r="r" b="b"/>
-              <a:pathLst>
-                <a:path w="10230" h="1" fill="none" extrusionOk="0">
-                  <a:moveTo>
-                    <a:pt x="10229" y="0"/>
-                  </a:moveTo>
-                  <a:lnTo>
-                    <a:pt x="0" y="0"/>
-                  </a:lnTo>
-                </a:path>
-              </a:pathLst>
-            </a:custGeom>
-            <a:noFill/>
-            <a:ln w="12175" cap="rnd" cmpd="sng">
-              <a:solidFill>
-                <a:srgbClr val="FF9800"/>
-              </a:solidFill>
-              <a:prstDash val="solid"/>
-              <a:round/>
-              <a:headEnd type="none" w="sm" len="sm"/>
-              <a:tailEnd type="none" w="sm" len="sm"/>
-            </a:ln>
-          </p:spPr>
-          <p:txBody>
-            <a:bodyPr spcFirstLastPara="1" wrap="square" lIns="91425" tIns="91425" rIns="91425" bIns="91425" anchor="ctr" anchorCtr="0">
-              <a:noAutofit/>
-            </a:bodyPr>
-            <a:lstStyle/>
-            <a:p>
-              <a:pPr marL="0" lvl="0" indent="0" algn="l" rtl="0">
-                <a:spcBef>
-                  <a:spcPts val="0"/>
-                </a:spcBef>
-                <a:spcAft>
-                  <a:spcPts val="0"/>
-                </a:spcAft>
-                <a:buNone/>
-              </a:pPr>
-              <a:endParaRPr/>
-            </a:p>
-          </p:txBody>
-        </p:sp>
-        <p:sp>
-          <p:nvSpPr>
-            <p:cNvPr id="277" name="Google Shape;277;p18"/>
-            <p:cNvSpPr/>
-            <p:nvPr/>
-          </p:nvSpPr>
-          <p:spPr>
-            <a:xfrm>
-              <a:off x="688900" y="1090525"/>
-              <a:ext cx="255750" cy="25"/>
-            </a:xfrm>
-            <a:custGeom>
-              <a:avLst/>
-              <a:gdLst/>
-              <a:ahLst/>
-              <a:cxnLst/>
-              <a:rect l="l" t="t" r="r" b="b"/>
-              <a:pathLst>
-                <a:path w="10230" h="1" fill="none" extrusionOk="0">
-                  <a:moveTo>
-                    <a:pt x="10229" y="1"/>
-                  </a:moveTo>
-                  <a:lnTo>
-                    <a:pt x="0" y="1"/>
-                  </a:lnTo>
-                </a:path>
-              </a:pathLst>
-            </a:custGeom>
-            <a:noFill/>
-            <a:ln w="12175" cap="rnd" cmpd="sng">
-              <a:solidFill>
-                <a:srgbClr val="FF9800"/>
-              </a:solidFill>
-              <a:prstDash val="solid"/>
-              <a:round/>
-              <a:headEnd type="none" w="sm" len="sm"/>
-              <a:tailEnd type="none" w="sm" len="sm"/>
-            </a:ln>
-          </p:spPr>
-          <p:txBody>
-            <a:bodyPr spcFirstLastPara="1" wrap="square" lIns="91425" tIns="91425" rIns="91425" bIns="91425" anchor="ctr" anchorCtr="0">
-              <a:noAutofit/>
-            </a:bodyPr>
-            <a:lstStyle/>
-            <a:p>
-              <a:pPr marL="0" lvl="0" indent="0" algn="l" rtl="0">
-                <a:spcBef>
-                  <a:spcPts val="0"/>
-                </a:spcBef>
-                <a:spcAft>
-                  <a:spcPts val="0"/>
-                </a:spcAft>
-                <a:buNone/>
-              </a:pPr>
-              <a:endParaRPr/>
-            </a:p>
-          </p:txBody>
-        </p:sp>
-        <p:sp>
-          <p:nvSpPr>
-            <p:cNvPr id="278" name="Google Shape;278;p18"/>
-            <p:cNvSpPr/>
-            <p:nvPr/>
-          </p:nvSpPr>
-          <p:spPr>
-            <a:xfrm>
-              <a:off x="920250" y="929175"/>
-              <a:ext cx="84050" cy="84050"/>
-            </a:xfrm>
-            <a:custGeom>
-              <a:avLst/>
-              <a:gdLst/>
-              <a:ahLst/>
-              <a:cxnLst/>
-              <a:rect l="l" t="t" r="r" b="b"/>
-              <a:pathLst>
-                <a:path w="3362" h="3362" fill="none" extrusionOk="0">
-                  <a:moveTo>
-                    <a:pt x="1" y="2582"/>
-                  </a:moveTo>
-                  <a:lnTo>
-                    <a:pt x="1" y="1"/>
-                  </a:lnTo>
-                  <a:lnTo>
-                    <a:pt x="3362" y="3362"/>
-                  </a:lnTo>
-                  <a:lnTo>
-                    <a:pt x="780" y="3362"/>
-                  </a:lnTo>
-                  <a:lnTo>
-                    <a:pt x="780" y="3362"/>
-                  </a:lnTo>
-                  <a:lnTo>
-                    <a:pt x="610" y="3337"/>
-                  </a:lnTo>
-                  <a:lnTo>
-                    <a:pt x="464" y="3289"/>
-                  </a:lnTo>
-                  <a:lnTo>
-                    <a:pt x="342" y="3216"/>
-                  </a:lnTo>
-                  <a:lnTo>
-                    <a:pt x="220" y="3118"/>
-                  </a:lnTo>
-                  <a:lnTo>
-                    <a:pt x="123" y="3021"/>
-                  </a:lnTo>
-                  <a:lnTo>
-                    <a:pt x="50" y="2875"/>
-                  </a:lnTo>
-                  <a:lnTo>
-                    <a:pt x="1" y="2729"/>
-                  </a:lnTo>
-                  <a:lnTo>
-                    <a:pt x="1" y="2582"/>
-                  </a:lnTo>
-                  <a:lnTo>
-                    <a:pt x="1" y="2582"/>
-                  </a:lnTo>
-                  <a:close/>
-                </a:path>
-              </a:pathLst>
-            </a:custGeom>
-            <a:noFill/>
-            <a:ln w="12175" cap="rnd" cmpd="sng">
-              <a:solidFill>
-                <a:srgbClr val="FF9800"/>
-              </a:solidFill>
-              <a:prstDash val="solid"/>
-              <a:round/>
-              <a:headEnd type="none" w="sm" len="sm"/>
-              <a:tailEnd type="none" w="sm" len="sm"/>
-            </a:ln>
-          </p:spPr>
-          <p:txBody>
-            <a:bodyPr spcFirstLastPara="1" wrap="square" lIns="91425" tIns="91425" rIns="91425" bIns="91425" anchor="ctr" anchorCtr="0">
-              <a:noAutofit/>
-            </a:bodyPr>
-            <a:lstStyle/>
-            <a:p>
-              <a:pPr marL="0" lvl="0" indent="0" algn="l" rtl="0">
-                <a:spcBef>
-                  <a:spcPts val="0"/>
-                </a:spcBef>
-                <a:spcAft>
-                  <a:spcPts val="0"/>
-                </a:spcAft>
-                <a:buNone/>
-              </a:pPr>
-              <a:endParaRPr/>
-            </a:p>
-          </p:txBody>
-        </p:sp>
-      </p:grpSp>
-    </p:spTree>
-    <p:extLst>
-      <p:ext uri="{BB962C8B-B14F-4D97-AF65-F5344CB8AC3E}">
-        <p14:creationId xmlns:p14="http://schemas.microsoft.com/office/powerpoint/2010/main" val="4228491558"/>
-      </p:ext>
-    </p:extLst>
-  </p:cSld>
-  <p:clrMapOvr>
-    <a:masterClrMapping/>
-  </p:clrMapOvr>
-</p:sld>
-</file>
-
-<file path=ppt/slides/slide11.xml><?xml version="1.0" encoding="utf-8"?>
-<p:sld xmlns:a="http://schemas.openxmlformats.org/drawingml/2006/main" xmlns:r="http://schemas.openxmlformats.org/officeDocument/2006/relationships" xmlns:p="http://schemas.openxmlformats.org/presentationml/2006/main">
-  <p:cSld>
-    <p:spTree>
-      <p:nvGrpSpPr>
         <p:cNvPr id="1" name="Shape 220"/>
         <p:cNvGrpSpPr/>
         <p:nvPr/>
@@ -8413,7 +7428,7 @@
             </a:pPr>
             <a:fld id="{00000000-1234-1234-1234-123412341234}" type="slidenum">
               <a:rPr lang="en"/>
-              <a:t>11</a:t>
+              <a:t>10</a:t>
             </a:fld>
             <a:endParaRPr/>
           </a:p>
@@ -8481,6 +7496,874 @@
     <p:extLst>
       <p:ext uri="{BB962C8B-B14F-4D97-AF65-F5344CB8AC3E}">
         <p14:creationId xmlns:p14="http://schemas.microsoft.com/office/powerpoint/2010/main" val="1637579724"/>
+      </p:ext>
+    </p:extLst>
+  </p:cSld>
+  <p:clrMapOvr>
+    <a:masterClrMapping/>
+  </p:clrMapOvr>
+</p:sld>
+</file>
+
+<file path=ppt/slides/slide11.xml><?xml version="1.0" encoding="utf-8"?>
+<p:sld xmlns:a="http://schemas.openxmlformats.org/drawingml/2006/main" xmlns:r="http://schemas.openxmlformats.org/officeDocument/2006/relationships" xmlns:p="http://schemas.openxmlformats.org/presentationml/2006/main">
+  <p:cSld>
+    <p:spTree>
+      <p:nvGrpSpPr>
+        <p:cNvPr id="1" name="Shape 266"/>
+        <p:cNvGrpSpPr/>
+        <p:nvPr/>
+      </p:nvGrpSpPr>
+      <p:grpSpPr>
+        <a:xfrm>
+          <a:off x="0" y="0"/>
+          <a:ext cx="0" cy="0"/>
+          <a:chOff x="0" y="0"/>
+          <a:chExt cx="0" cy="0"/>
+        </a:xfrm>
+      </p:grpSpPr>
+      <p:sp>
+        <p:nvSpPr>
+          <p:cNvPr id="267" name="Google Shape;267;p18"/>
+          <p:cNvSpPr txBox="1">
+            <a:spLocks noGrp="1"/>
+          </p:cNvSpPr>
+          <p:nvPr>
+            <p:ph type="body" idx="1"/>
+          </p:nvPr>
+        </p:nvSpPr>
+        <p:spPr>
+          <a:xfrm>
+            <a:off x="814275" y="1537988"/>
+            <a:ext cx="3378300" cy="2724300"/>
+          </a:xfrm>
+          <a:prstGeom prst="rect">
+            <a:avLst/>
+          </a:prstGeom>
+        </p:spPr>
+        <p:txBody>
+          <a:bodyPr spcFirstLastPara="1" wrap="square" lIns="91425" tIns="91425" rIns="91425" bIns="91425" anchor="t" anchorCtr="0">
+            <a:noAutofit/>
+          </a:bodyPr>
+          <a:lstStyle/>
+          <a:p>
+            <a:pPr marL="0" lvl="0" indent="0" algn="l" rtl="0">
+              <a:spcBef>
+                <a:spcPts val="600"/>
+              </a:spcBef>
+              <a:spcAft>
+                <a:spcPts val="0"/>
+              </a:spcAft>
+              <a:buNone/>
+            </a:pPr>
+            <a:r>
+              <a:rPr lang="en" b="1"/>
+              <a:t>White</a:t>
+            </a:r>
+            <a:endParaRPr b="1"/>
+          </a:p>
+          <a:p>
+            <a:pPr marL="0" lvl="0" indent="0" algn="l" rtl="0">
+              <a:spcBef>
+                <a:spcPts val="1000"/>
+              </a:spcBef>
+              <a:spcAft>
+                <a:spcPts val="1000"/>
+              </a:spcAft>
+              <a:buNone/>
+            </a:pPr>
+            <a:r>
+              <a:rPr lang="en"/>
+              <a:t>Is the color of milk and fresh snow, the color produced by the combination of all the colors of the visible spectrum.</a:t>
+            </a:r>
+            <a:endParaRPr/>
+          </a:p>
+        </p:txBody>
+      </p:sp>
+      <p:sp>
+        <p:nvSpPr>
+          <p:cNvPr id="268" name="Google Shape;268;p18"/>
+          <p:cNvSpPr txBox="1">
+            <a:spLocks noGrp="1"/>
+          </p:cNvSpPr>
+          <p:nvPr>
+            <p:ph type="title"/>
+          </p:nvPr>
+        </p:nvSpPr>
+        <p:spPr>
+          <a:xfrm>
+            <a:off x="814275" y="392575"/>
+            <a:ext cx="5258400" cy="766200"/>
+          </a:xfrm>
+          <a:prstGeom prst="rect">
+            <a:avLst/>
+          </a:prstGeom>
+        </p:spPr>
+        <p:txBody>
+          <a:bodyPr spcFirstLastPara="1" wrap="square" lIns="91425" tIns="91425" rIns="91425" bIns="91425" anchor="ctr" anchorCtr="0">
+            <a:noAutofit/>
+          </a:bodyPr>
+          <a:lstStyle/>
+          <a:p>
+            <a:pPr marL="0" lvl="0" indent="0" algn="l" rtl="0">
+              <a:spcBef>
+                <a:spcPts val="0"/>
+              </a:spcBef>
+              <a:spcAft>
+                <a:spcPts val="0"/>
+              </a:spcAft>
+              <a:buNone/>
+            </a:pPr>
+            <a:r>
+              <a:rPr lang="ja-JP" altLang="en-US">
+                <a:latin typeface="Meiryo" panose="020B0604030504040204" pitchFamily="34" charset="-128"/>
+                <a:ea typeface="Meiryo" panose="020B0604030504040204" pitchFamily="34" charset="-128"/>
+              </a:rPr>
+              <a:t>暗号利用モードとは</a:t>
+            </a:r>
+            <a:endParaRPr dirty="0">
+              <a:latin typeface="Meiryo" panose="020B0604030504040204" pitchFamily="34" charset="-128"/>
+              <a:ea typeface="Meiryo" panose="020B0604030504040204" pitchFamily="34" charset="-128"/>
+            </a:endParaRPr>
+          </a:p>
+        </p:txBody>
+      </p:sp>
+      <p:sp>
+        <p:nvSpPr>
+          <p:cNvPr id="269" name="Google Shape;269;p18"/>
+          <p:cNvSpPr txBox="1">
+            <a:spLocks noGrp="1"/>
+          </p:cNvSpPr>
+          <p:nvPr>
+            <p:ph type="body" idx="2"/>
+          </p:nvPr>
+        </p:nvSpPr>
+        <p:spPr>
+          <a:xfrm>
+            <a:off x="4396123" y="1537988"/>
+            <a:ext cx="3378300" cy="2724300"/>
+          </a:xfrm>
+          <a:prstGeom prst="rect">
+            <a:avLst/>
+          </a:prstGeom>
+        </p:spPr>
+        <p:txBody>
+          <a:bodyPr spcFirstLastPara="1" wrap="square" lIns="91425" tIns="91425" rIns="91425" bIns="91425" anchor="t" anchorCtr="0">
+            <a:noAutofit/>
+          </a:bodyPr>
+          <a:lstStyle/>
+          <a:p>
+            <a:pPr marL="0" lvl="0" indent="0" algn="l" rtl="0">
+              <a:spcBef>
+                <a:spcPts val="600"/>
+              </a:spcBef>
+              <a:spcAft>
+                <a:spcPts val="0"/>
+              </a:spcAft>
+              <a:buNone/>
+            </a:pPr>
+            <a:r>
+              <a:rPr lang="en" b="1"/>
+              <a:t>Black</a:t>
+            </a:r>
+            <a:endParaRPr b="1"/>
+          </a:p>
+          <a:p>
+            <a:pPr marL="0" lvl="0" indent="0" algn="l" rtl="0">
+              <a:spcBef>
+                <a:spcPts val="1000"/>
+              </a:spcBef>
+              <a:spcAft>
+                <a:spcPts val="1000"/>
+              </a:spcAft>
+              <a:buNone/>
+            </a:pPr>
+            <a:r>
+              <a:rPr lang="en"/>
+              <a:t>Is the color of coal, ebony, and of outer space. It is the darkest color, the result of the absence of or complete absorption of light.</a:t>
+            </a:r>
+            <a:endParaRPr/>
+          </a:p>
+        </p:txBody>
+      </p:sp>
+      <p:sp>
+        <p:nvSpPr>
+          <p:cNvPr id="270" name="Google Shape;270;p18"/>
+          <p:cNvSpPr txBox="1">
+            <a:spLocks noGrp="1"/>
+          </p:cNvSpPr>
+          <p:nvPr>
+            <p:ph type="sldNum" idx="12"/>
+          </p:nvPr>
+        </p:nvSpPr>
+        <p:spPr>
+          <a:xfrm>
+            <a:off x="7618000" y="4636500"/>
+            <a:ext cx="1487400" cy="315600"/>
+          </a:xfrm>
+          <a:prstGeom prst="rect">
+            <a:avLst/>
+          </a:prstGeom>
+        </p:spPr>
+        <p:txBody>
+          <a:bodyPr spcFirstLastPara="1" wrap="square" lIns="91425" tIns="91425" rIns="91425" bIns="91425" anchor="ctr" anchorCtr="0">
+            <a:noAutofit/>
+          </a:bodyPr>
+          <a:lstStyle/>
+          <a:p>
+            <a:pPr marL="0" lvl="0" indent="0" algn="r" rtl="0">
+              <a:spcBef>
+                <a:spcPts val="0"/>
+              </a:spcBef>
+              <a:spcAft>
+                <a:spcPts val="0"/>
+              </a:spcAft>
+              <a:buNone/>
+            </a:pPr>
+            <a:fld id="{00000000-1234-1234-1234-123412341234}" type="slidenum">
+              <a:rPr lang="en"/>
+              <a:t>11</a:t>
+            </a:fld>
+            <a:endParaRPr/>
+          </a:p>
+        </p:txBody>
+      </p:sp>
+      <p:grpSp>
+        <p:nvGrpSpPr>
+          <p:cNvPr id="271" name="Google Shape;271;p18"/>
+          <p:cNvGrpSpPr/>
+          <p:nvPr/>
+        </p:nvGrpSpPr>
+        <p:grpSpPr>
+          <a:xfrm>
+            <a:off x="312466" y="587260"/>
+            <a:ext cx="309022" cy="376837"/>
+            <a:chOff x="596350" y="929175"/>
+            <a:chExt cx="407950" cy="497475"/>
+          </a:xfrm>
+        </p:grpSpPr>
+        <p:sp>
+          <p:nvSpPr>
+            <p:cNvPr id="272" name="Google Shape;272;p18"/>
+            <p:cNvSpPr/>
+            <p:nvPr/>
+          </p:nvSpPr>
+          <p:spPr>
+            <a:xfrm>
+              <a:off x="596350" y="953550"/>
+              <a:ext cx="387250" cy="473100"/>
+            </a:xfrm>
+            <a:custGeom>
+              <a:avLst/>
+              <a:gdLst/>
+              <a:ahLst/>
+              <a:cxnLst/>
+              <a:rect l="l" t="t" r="r" b="b"/>
+              <a:pathLst>
+                <a:path w="15490" h="18924" fill="none" extrusionOk="0">
+                  <a:moveTo>
+                    <a:pt x="15490" y="17828"/>
+                  </a:moveTo>
+                  <a:lnTo>
+                    <a:pt x="15490" y="17828"/>
+                  </a:lnTo>
+                  <a:lnTo>
+                    <a:pt x="15466" y="17998"/>
+                  </a:lnTo>
+                  <a:lnTo>
+                    <a:pt x="15417" y="18169"/>
+                  </a:lnTo>
+                  <a:lnTo>
+                    <a:pt x="15319" y="18364"/>
+                  </a:lnTo>
+                  <a:lnTo>
+                    <a:pt x="15198" y="18534"/>
+                  </a:lnTo>
+                  <a:lnTo>
+                    <a:pt x="15052" y="18680"/>
+                  </a:lnTo>
+                  <a:lnTo>
+                    <a:pt x="14881" y="18802"/>
+                  </a:lnTo>
+                  <a:lnTo>
+                    <a:pt x="14735" y="18900"/>
+                  </a:lnTo>
+                  <a:lnTo>
+                    <a:pt x="14564" y="18924"/>
+                  </a:lnTo>
+                  <a:lnTo>
+                    <a:pt x="1023" y="18924"/>
+                  </a:lnTo>
+                  <a:lnTo>
+                    <a:pt x="1023" y="18924"/>
+                  </a:lnTo>
+                  <a:lnTo>
+                    <a:pt x="853" y="18900"/>
+                  </a:lnTo>
+                  <a:lnTo>
+                    <a:pt x="682" y="18802"/>
+                  </a:lnTo>
+                  <a:lnTo>
+                    <a:pt x="512" y="18680"/>
+                  </a:lnTo>
+                  <a:lnTo>
+                    <a:pt x="341" y="18534"/>
+                  </a:lnTo>
+                  <a:lnTo>
+                    <a:pt x="219" y="18364"/>
+                  </a:lnTo>
+                  <a:lnTo>
+                    <a:pt x="98" y="18169"/>
+                  </a:lnTo>
+                  <a:lnTo>
+                    <a:pt x="25" y="17998"/>
+                  </a:lnTo>
+                  <a:lnTo>
+                    <a:pt x="0" y="17828"/>
+                  </a:lnTo>
+                  <a:lnTo>
+                    <a:pt x="0" y="877"/>
+                  </a:lnTo>
+                  <a:lnTo>
+                    <a:pt x="0" y="877"/>
+                  </a:lnTo>
+                  <a:lnTo>
+                    <a:pt x="25" y="706"/>
+                  </a:lnTo>
+                  <a:lnTo>
+                    <a:pt x="98" y="560"/>
+                  </a:lnTo>
+                  <a:lnTo>
+                    <a:pt x="195" y="414"/>
+                  </a:lnTo>
+                  <a:lnTo>
+                    <a:pt x="341" y="268"/>
+                  </a:lnTo>
+                  <a:lnTo>
+                    <a:pt x="487" y="171"/>
+                  </a:lnTo>
+                  <a:lnTo>
+                    <a:pt x="658" y="73"/>
+                  </a:lnTo>
+                  <a:lnTo>
+                    <a:pt x="828" y="24"/>
+                  </a:lnTo>
+                  <a:lnTo>
+                    <a:pt x="974" y="0"/>
+                  </a:lnTo>
+                </a:path>
+              </a:pathLst>
+            </a:custGeom>
+            <a:noFill/>
+            <a:ln w="12175" cap="rnd" cmpd="sng">
+              <a:solidFill>
+                <a:srgbClr val="FF9800"/>
+              </a:solidFill>
+              <a:prstDash val="solid"/>
+              <a:round/>
+              <a:headEnd type="none" w="sm" len="sm"/>
+              <a:tailEnd type="none" w="sm" len="sm"/>
+            </a:ln>
+          </p:spPr>
+          <p:txBody>
+            <a:bodyPr spcFirstLastPara="1" wrap="square" lIns="91425" tIns="91425" rIns="91425" bIns="91425" anchor="ctr" anchorCtr="0">
+              <a:noAutofit/>
+            </a:bodyPr>
+            <a:lstStyle/>
+            <a:p>
+              <a:pPr marL="0" lvl="0" indent="0" algn="l" rtl="0">
+                <a:spcBef>
+                  <a:spcPts val="0"/>
+                </a:spcBef>
+                <a:spcAft>
+                  <a:spcPts val="0"/>
+                </a:spcAft>
+                <a:buNone/>
+              </a:pPr>
+              <a:endParaRPr/>
+            </a:p>
+          </p:txBody>
+        </p:sp>
+        <p:sp>
+          <p:nvSpPr>
+            <p:cNvPr id="273" name="Google Shape;273;p18"/>
+            <p:cNvSpPr/>
+            <p:nvPr/>
+          </p:nvSpPr>
+          <p:spPr>
+            <a:xfrm>
+              <a:off x="626775" y="929175"/>
+              <a:ext cx="377525" cy="462775"/>
+            </a:xfrm>
+            <a:custGeom>
+              <a:avLst/>
+              <a:gdLst/>
+              <a:ahLst/>
+              <a:cxnLst/>
+              <a:rect l="l" t="t" r="r" b="b"/>
+              <a:pathLst>
+                <a:path w="15101" h="18511" fill="none" extrusionOk="0">
+                  <a:moveTo>
+                    <a:pt x="15101" y="3362"/>
+                  </a:moveTo>
+                  <a:lnTo>
+                    <a:pt x="15101" y="17731"/>
+                  </a:lnTo>
+                  <a:lnTo>
+                    <a:pt x="15101" y="17731"/>
+                  </a:lnTo>
+                  <a:lnTo>
+                    <a:pt x="15077" y="17877"/>
+                  </a:lnTo>
+                  <a:lnTo>
+                    <a:pt x="15028" y="18024"/>
+                  </a:lnTo>
+                  <a:lnTo>
+                    <a:pt x="14979" y="18145"/>
+                  </a:lnTo>
+                  <a:lnTo>
+                    <a:pt x="14882" y="18267"/>
+                  </a:lnTo>
+                  <a:lnTo>
+                    <a:pt x="14760" y="18365"/>
+                  </a:lnTo>
+                  <a:lnTo>
+                    <a:pt x="14614" y="18438"/>
+                  </a:lnTo>
+                  <a:lnTo>
+                    <a:pt x="14468" y="18486"/>
+                  </a:lnTo>
+                  <a:lnTo>
+                    <a:pt x="14322" y="18511"/>
+                  </a:lnTo>
+                  <a:lnTo>
+                    <a:pt x="780" y="18511"/>
+                  </a:lnTo>
+                  <a:lnTo>
+                    <a:pt x="780" y="18511"/>
+                  </a:lnTo>
+                  <a:lnTo>
+                    <a:pt x="634" y="18486"/>
+                  </a:lnTo>
+                  <a:lnTo>
+                    <a:pt x="488" y="18438"/>
+                  </a:lnTo>
+                  <a:lnTo>
+                    <a:pt x="342" y="18365"/>
+                  </a:lnTo>
+                  <a:lnTo>
+                    <a:pt x="220" y="18267"/>
+                  </a:lnTo>
+                  <a:lnTo>
+                    <a:pt x="123" y="18145"/>
+                  </a:lnTo>
+                  <a:lnTo>
+                    <a:pt x="74" y="18024"/>
+                  </a:lnTo>
+                  <a:lnTo>
+                    <a:pt x="25" y="17877"/>
+                  </a:lnTo>
+                  <a:lnTo>
+                    <a:pt x="1" y="17731"/>
+                  </a:lnTo>
+                  <a:lnTo>
+                    <a:pt x="1" y="780"/>
+                  </a:lnTo>
+                  <a:lnTo>
+                    <a:pt x="1" y="780"/>
+                  </a:lnTo>
+                  <a:lnTo>
+                    <a:pt x="25" y="610"/>
+                  </a:lnTo>
+                  <a:lnTo>
+                    <a:pt x="74" y="464"/>
+                  </a:lnTo>
+                  <a:lnTo>
+                    <a:pt x="123" y="342"/>
+                  </a:lnTo>
+                  <a:lnTo>
+                    <a:pt x="220" y="220"/>
+                  </a:lnTo>
+                  <a:lnTo>
+                    <a:pt x="342" y="123"/>
+                  </a:lnTo>
+                  <a:lnTo>
+                    <a:pt x="488" y="50"/>
+                  </a:lnTo>
+                  <a:lnTo>
+                    <a:pt x="634" y="1"/>
+                  </a:lnTo>
+                  <a:lnTo>
+                    <a:pt x="780" y="1"/>
+                  </a:lnTo>
+                  <a:lnTo>
+                    <a:pt x="11740" y="1"/>
+                  </a:lnTo>
+                </a:path>
+              </a:pathLst>
+            </a:custGeom>
+            <a:noFill/>
+            <a:ln w="12175" cap="rnd" cmpd="sng">
+              <a:solidFill>
+                <a:srgbClr val="FF9800"/>
+              </a:solidFill>
+              <a:prstDash val="solid"/>
+              <a:round/>
+              <a:headEnd type="none" w="sm" len="sm"/>
+              <a:tailEnd type="none" w="sm" len="sm"/>
+            </a:ln>
+          </p:spPr>
+          <p:txBody>
+            <a:bodyPr spcFirstLastPara="1" wrap="square" lIns="91425" tIns="91425" rIns="91425" bIns="91425" anchor="ctr" anchorCtr="0">
+              <a:noAutofit/>
+            </a:bodyPr>
+            <a:lstStyle/>
+            <a:p>
+              <a:pPr marL="0" lvl="0" indent="0" algn="l" rtl="0">
+                <a:spcBef>
+                  <a:spcPts val="0"/>
+                </a:spcBef>
+                <a:spcAft>
+                  <a:spcPts val="0"/>
+                </a:spcAft>
+                <a:buNone/>
+              </a:pPr>
+              <a:endParaRPr/>
+            </a:p>
+          </p:txBody>
+        </p:sp>
+        <p:sp>
+          <p:nvSpPr>
+            <p:cNvPr id="274" name="Google Shape;274;p18"/>
+            <p:cNvSpPr/>
+            <p:nvPr/>
+          </p:nvSpPr>
+          <p:spPr>
+            <a:xfrm>
+              <a:off x="688900" y="1256150"/>
+              <a:ext cx="133975" cy="25"/>
+            </a:xfrm>
+            <a:custGeom>
+              <a:avLst/>
+              <a:gdLst/>
+              <a:ahLst/>
+              <a:cxnLst/>
+              <a:rect l="l" t="t" r="r" b="b"/>
+              <a:pathLst>
+                <a:path w="5359" h="1" fill="none" extrusionOk="0">
+                  <a:moveTo>
+                    <a:pt x="5358" y="0"/>
+                  </a:moveTo>
+                  <a:lnTo>
+                    <a:pt x="0" y="0"/>
+                  </a:lnTo>
+                </a:path>
+              </a:pathLst>
+            </a:custGeom>
+            <a:noFill/>
+            <a:ln w="12175" cap="rnd" cmpd="sng">
+              <a:solidFill>
+                <a:srgbClr val="FF9800"/>
+              </a:solidFill>
+              <a:prstDash val="solid"/>
+              <a:round/>
+              <a:headEnd type="none" w="sm" len="sm"/>
+              <a:tailEnd type="none" w="sm" len="sm"/>
+            </a:ln>
+          </p:spPr>
+          <p:txBody>
+            <a:bodyPr spcFirstLastPara="1" wrap="square" lIns="91425" tIns="91425" rIns="91425" bIns="91425" anchor="ctr" anchorCtr="0">
+              <a:noAutofit/>
+            </a:bodyPr>
+            <a:lstStyle/>
+            <a:p>
+              <a:pPr marL="0" lvl="0" indent="0" algn="l" rtl="0">
+                <a:spcBef>
+                  <a:spcPts val="0"/>
+                </a:spcBef>
+                <a:spcAft>
+                  <a:spcPts val="0"/>
+                </a:spcAft>
+                <a:buNone/>
+              </a:pPr>
+              <a:endParaRPr/>
+            </a:p>
+          </p:txBody>
+        </p:sp>
+        <p:sp>
+          <p:nvSpPr>
+            <p:cNvPr id="275" name="Google Shape;275;p18"/>
+            <p:cNvSpPr/>
+            <p:nvPr/>
+          </p:nvSpPr>
+          <p:spPr>
+            <a:xfrm>
+              <a:off x="688900" y="1201350"/>
+              <a:ext cx="255750" cy="25"/>
+            </a:xfrm>
+            <a:custGeom>
+              <a:avLst/>
+              <a:gdLst/>
+              <a:ahLst/>
+              <a:cxnLst/>
+              <a:rect l="l" t="t" r="r" b="b"/>
+              <a:pathLst>
+                <a:path w="10230" h="1" fill="none" extrusionOk="0">
+                  <a:moveTo>
+                    <a:pt x="10229" y="1"/>
+                  </a:moveTo>
+                  <a:lnTo>
+                    <a:pt x="0" y="1"/>
+                  </a:lnTo>
+                </a:path>
+              </a:pathLst>
+            </a:custGeom>
+            <a:noFill/>
+            <a:ln w="12175" cap="rnd" cmpd="sng">
+              <a:solidFill>
+                <a:srgbClr val="FF9800"/>
+              </a:solidFill>
+              <a:prstDash val="solid"/>
+              <a:round/>
+              <a:headEnd type="none" w="sm" len="sm"/>
+              <a:tailEnd type="none" w="sm" len="sm"/>
+            </a:ln>
+          </p:spPr>
+          <p:txBody>
+            <a:bodyPr spcFirstLastPara="1" wrap="square" lIns="91425" tIns="91425" rIns="91425" bIns="91425" anchor="ctr" anchorCtr="0">
+              <a:noAutofit/>
+            </a:bodyPr>
+            <a:lstStyle/>
+            <a:p>
+              <a:pPr marL="0" lvl="0" indent="0" algn="l" rtl="0">
+                <a:spcBef>
+                  <a:spcPts val="0"/>
+                </a:spcBef>
+                <a:spcAft>
+                  <a:spcPts val="0"/>
+                </a:spcAft>
+                <a:buNone/>
+              </a:pPr>
+              <a:endParaRPr/>
+            </a:p>
+          </p:txBody>
+        </p:sp>
+        <p:sp>
+          <p:nvSpPr>
+            <p:cNvPr id="276" name="Google Shape;276;p18"/>
+            <p:cNvSpPr/>
+            <p:nvPr/>
+          </p:nvSpPr>
+          <p:spPr>
+            <a:xfrm>
+              <a:off x="688900" y="1145950"/>
+              <a:ext cx="255750" cy="25"/>
+            </a:xfrm>
+            <a:custGeom>
+              <a:avLst/>
+              <a:gdLst/>
+              <a:ahLst/>
+              <a:cxnLst/>
+              <a:rect l="l" t="t" r="r" b="b"/>
+              <a:pathLst>
+                <a:path w="10230" h="1" fill="none" extrusionOk="0">
+                  <a:moveTo>
+                    <a:pt x="10229" y="0"/>
+                  </a:moveTo>
+                  <a:lnTo>
+                    <a:pt x="0" y="0"/>
+                  </a:lnTo>
+                </a:path>
+              </a:pathLst>
+            </a:custGeom>
+            <a:noFill/>
+            <a:ln w="12175" cap="rnd" cmpd="sng">
+              <a:solidFill>
+                <a:srgbClr val="FF9800"/>
+              </a:solidFill>
+              <a:prstDash val="solid"/>
+              <a:round/>
+              <a:headEnd type="none" w="sm" len="sm"/>
+              <a:tailEnd type="none" w="sm" len="sm"/>
+            </a:ln>
+          </p:spPr>
+          <p:txBody>
+            <a:bodyPr spcFirstLastPara="1" wrap="square" lIns="91425" tIns="91425" rIns="91425" bIns="91425" anchor="ctr" anchorCtr="0">
+              <a:noAutofit/>
+            </a:bodyPr>
+            <a:lstStyle/>
+            <a:p>
+              <a:pPr marL="0" lvl="0" indent="0" algn="l" rtl="0">
+                <a:spcBef>
+                  <a:spcPts val="0"/>
+                </a:spcBef>
+                <a:spcAft>
+                  <a:spcPts val="0"/>
+                </a:spcAft>
+                <a:buNone/>
+              </a:pPr>
+              <a:endParaRPr/>
+            </a:p>
+          </p:txBody>
+        </p:sp>
+        <p:sp>
+          <p:nvSpPr>
+            <p:cNvPr id="277" name="Google Shape;277;p18"/>
+            <p:cNvSpPr/>
+            <p:nvPr/>
+          </p:nvSpPr>
+          <p:spPr>
+            <a:xfrm>
+              <a:off x="688900" y="1090525"/>
+              <a:ext cx="255750" cy="25"/>
+            </a:xfrm>
+            <a:custGeom>
+              <a:avLst/>
+              <a:gdLst/>
+              <a:ahLst/>
+              <a:cxnLst/>
+              <a:rect l="l" t="t" r="r" b="b"/>
+              <a:pathLst>
+                <a:path w="10230" h="1" fill="none" extrusionOk="0">
+                  <a:moveTo>
+                    <a:pt x="10229" y="1"/>
+                  </a:moveTo>
+                  <a:lnTo>
+                    <a:pt x="0" y="1"/>
+                  </a:lnTo>
+                </a:path>
+              </a:pathLst>
+            </a:custGeom>
+            <a:noFill/>
+            <a:ln w="12175" cap="rnd" cmpd="sng">
+              <a:solidFill>
+                <a:srgbClr val="FF9800"/>
+              </a:solidFill>
+              <a:prstDash val="solid"/>
+              <a:round/>
+              <a:headEnd type="none" w="sm" len="sm"/>
+              <a:tailEnd type="none" w="sm" len="sm"/>
+            </a:ln>
+          </p:spPr>
+          <p:txBody>
+            <a:bodyPr spcFirstLastPara="1" wrap="square" lIns="91425" tIns="91425" rIns="91425" bIns="91425" anchor="ctr" anchorCtr="0">
+              <a:noAutofit/>
+            </a:bodyPr>
+            <a:lstStyle/>
+            <a:p>
+              <a:pPr marL="0" lvl="0" indent="0" algn="l" rtl="0">
+                <a:spcBef>
+                  <a:spcPts val="0"/>
+                </a:spcBef>
+                <a:spcAft>
+                  <a:spcPts val="0"/>
+                </a:spcAft>
+                <a:buNone/>
+              </a:pPr>
+              <a:endParaRPr/>
+            </a:p>
+          </p:txBody>
+        </p:sp>
+        <p:sp>
+          <p:nvSpPr>
+            <p:cNvPr id="278" name="Google Shape;278;p18"/>
+            <p:cNvSpPr/>
+            <p:nvPr/>
+          </p:nvSpPr>
+          <p:spPr>
+            <a:xfrm>
+              <a:off x="920250" y="929175"/>
+              <a:ext cx="84050" cy="84050"/>
+            </a:xfrm>
+            <a:custGeom>
+              <a:avLst/>
+              <a:gdLst/>
+              <a:ahLst/>
+              <a:cxnLst/>
+              <a:rect l="l" t="t" r="r" b="b"/>
+              <a:pathLst>
+                <a:path w="3362" h="3362" fill="none" extrusionOk="0">
+                  <a:moveTo>
+                    <a:pt x="1" y="2582"/>
+                  </a:moveTo>
+                  <a:lnTo>
+                    <a:pt x="1" y="1"/>
+                  </a:lnTo>
+                  <a:lnTo>
+                    <a:pt x="3362" y="3362"/>
+                  </a:lnTo>
+                  <a:lnTo>
+                    <a:pt x="780" y="3362"/>
+                  </a:lnTo>
+                  <a:lnTo>
+                    <a:pt x="780" y="3362"/>
+                  </a:lnTo>
+                  <a:lnTo>
+                    <a:pt x="610" y="3337"/>
+                  </a:lnTo>
+                  <a:lnTo>
+                    <a:pt x="464" y="3289"/>
+                  </a:lnTo>
+                  <a:lnTo>
+                    <a:pt x="342" y="3216"/>
+                  </a:lnTo>
+                  <a:lnTo>
+                    <a:pt x="220" y="3118"/>
+                  </a:lnTo>
+                  <a:lnTo>
+                    <a:pt x="123" y="3021"/>
+                  </a:lnTo>
+                  <a:lnTo>
+                    <a:pt x="50" y="2875"/>
+                  </a:lnTo>
+                  <a:lnTo>
+                    <a:pt x="1" y="2729"/>
+                  </a:lnTo>
+                  <a:lnTo>
+                    <a:pt x="1" y="2582"/>
+                  </a:lnTo>
+                  <a:lnTo>
+                    <a:pt x="1" y="2582"/>
+                  </a:lnTo>
+                  <a:close/>
+                </a:path>
+              </a:pathLst>
+            </a:custGeom>
+            <a:noFill/>
+            <a:ln w="12175" cap="rnd" cmpd="sng">
+              <a:solidFill>
+                <a:srgbClr val="FF9800"/>
+              </a:solidFill>
+              <a:prstDash val="solid"/>
+              <a:round/>
+              <a:headEnd type="none" w="sm" len="sm"/>
+              <a:tailEnd type="none" w="sm" len="sm"/>
+            </a:ln>
+          </p:spPr>
+          <p:txBody>
+            <a:bodyPr spcFirstLastPara="1" wrap="square" lIns="91425" tIns="91425" rIns="91425" bIns="91425" anchor="ctr" anchorCtr="0">
+              <a:noAutofit/>
+            </a:bodyPr>
+            <a:lstStyle/>
+            <a:p>
+              <a:pPr marL="0" lvl="0" indent="0" algn="l" rtl="0">
+                <a:spcBef>
+                  <a:spcPts val="0"/>
+                </a:spcBef>
+                <a:spcAft>
+                  <a:spcPts val="0"/>
+                </a:spcAft>
+                <a:buNone/>
+              </a:pPr>
+              <a:endParaRPr/>
+            </a:p>
+          </p:txBody>
+        </p:sp>
+      </p:grpSp>
+    </p:spTree>
+    <p:extLst>
+      <p:ext uri="{BB962C8B-B14F-4D97-AF65-F5344CB8AC3E}">
+        <p14:creationId xmlns:p14="http://schemas.microsoft.com/office/powerpoint/2010/main" val="2530999582"/>
       </p:ext>
     </p:extLst>
   </p:cSld>
@@ -8600,11 +8483,18 @@
               <a:buNone/>
             </a:pPr>
             <a:r>
+              <a:rPr lang="en-US" dirty="0">
+                <a:latin typeface="Segoe UI Emoji" panose="020B0502040204020203" pitchFamily="34" charset="0"/>
+                <a:ea typeface="Segoe UI Emoji" panose="020B0502040204020203" pitchFamily="34" charset="0"/>
+              </a:rPr>
+              <a:t>cubing</a:t>
+            </a:r>
+            <a:r>
               <a:rPr lang="ja-JP" altLang="en-US">
                 <a:latin typeface="Meiryo" panose="020B0604030504040204" pitchFamily="34" charset="-128"/>
                 <a:ea typeface="Meiryo" panose="020B0604030504040204" pitchFamily="34" charset="-128"/>
               </a:rPr>
-              <a:t>暗号利用モードとは</a:t>
+              <a:t>モードの利用手順</a:t>
             </a:r>
             <a:endParaRPr dirty="0">
               <a:latin typeface="Meiryo" panose="020B0604030504040204" pitchFamily="34" charset="-128"/>
@@ -9348,7 +9238,7 @@
     </p:spTree>
     <p:extLst>
       <p:ext uri="{BB962C8B-B14F-4D97-AF65-F5344CB8AC3E}">
-        <p14:creationId xmlns:p14="http://schemas.microsoft.com/office/powerpoint/2010/main" val="2530999582"/>
+        <p14:creationId xmlns:p14="http://schemas.microsoft.com/office/powerpoint/2010/main" val="3297910300"/>
       </p:ext>
     </p:extLst>
   </p:cSld>
@@ -9359,881 +9249,6 @@
 </file>
 
 <file path=ppt/slides/slide13.xml><?xml version="1.0" encoding="utf-8"?>
-<p:sld xmlns:a="http://schemas.openxmlformats.org/drawingml/2006/main" xmlns:r="http://schemas.openxmlformats.org/officeDocument/2006/relationships" xmlns:p="http://schemas.openxmlformats.org/presentationml/2006/main">
-  <p:cSld>
-    <p:spTree>
-      <p:nvGrpSpPr>
-        <p:cNvPr id="1" name="Shape 266"/>
-        <p:cNvGrpSpPr/>
-        <p:nvPr/>
-      </p:nvGrpSpPr>
-      <p:grpSpPr>
-        <a:xfrm>
-          <a:off x="0" y="0"/>
-          <a:ext cx="0" cy="0"/>
-          <a:chOff x="0" y="0"/>
-          <a:chExt cx="0" cy="0"/>
-        </a:xfrm>
-      </p:grpSpPr>
-      <p:sp>
-        <p:nvSpPr>
-          <p:cNvPr id="267" name="Google Shape;267;p18"/>
-          <p:cNvSpPr txBox="1">
-            <a:spLocks noGrp="1"/>
-          </p:cNvSpPr>
-          <p:nvPr>
-            <p:ph type="body" idx="1"/>
-          </p:nvPr>
-        </p:nvSpPr>
-        <p:spPr>
-          <a:xfrm>
-            <a:off x="814275" y="1537988"/>
-            <a:ext cx="3378300" cy="2724300"/>
-          </a:xfrm>
-          <a:prstGeom prst="rect">
-            <a:avLst/>
-          </a:prstGeom>
-        </p:spPr>
-        <p:txBody>
-          <a:bodyPr spcFirstLastPara="1" wrap="square" lIns="91425" tIns="91425" rIns="91425" bIns="91425" anchor="t" anchorCtr="0">
-            <a:noAutofit/>
-          </a:bodyPr>
-          <a:lstStyle/>
-          <a:p>
-            <a:pPr marL="0" lvl="0" indent="0" algn="l" rtl="0">
-              <a:spcBef>
-                <a:spcPts val="600"/>
-              </a:spcBef>
-              <a:spcAft>
-                <a:spcPts val="0"/>
-              </a:spcAft>
-              <a:buNone/>
-            </a:pPr>
-            <a:r>
-              <a:rPr lang="en" b="1"/>
-              <a:t>White</a:t>
-            </a:r>
-            <a:endParaRPr b="1"/>
-          </a:p>
-          <a:p>
-            <a:pPr marL="0" lvl="0" indent="0" algn="l" rtl="0">
-              <a:spcBef>
-                <a:spcPts val="1000"/>
-              </a:spcBef>
-              <a:spcAft>
-                <a:spcPts val="1000"/>
-              </a:spcAft>
-              <a:buNone/>
-            </a:pPr>
-            <a:r>
-              <a:rPr lang="en"/>
-              <a:t>Is the color of milk and fresh snow, the color produced by the combination of all the colors of the visible spectrum.</a:t>
-            </a:r>
-            <a:endParaRPr/>
-          </a:p>
-        </p:txBody>
-      </p:sp>
-      <p:sp>
-        <p:nvSpPr>
-          <p:cNvPr id="268" name="Google Shape;268;p18"/>
-          <p:cNvSpPr txBox="1">
-            <a:spLocks noGrp="1"/>
-          </p:cNvSpPr>
-          <p:nvPr>
-            <p:ph type="title"/>
-          </p:nvPr>
-        </p:nvSpPr>
-        <p:spPr>
-          <a:xfrm>
-            <a:off x="814275" y="392575"/>
-            <a:ext cx="5258400" cy="766200"/>
-          </a:xfrm>
-          <a:prstGeom prst="rect">
-            <a:avLst/>
-          </a:prstGeom>
-        </p:spPr>
-        <p:txBody>
-          <a:bodyPr spcFirstLastPara="1" wrap="square" lIns="91425" tIns="91425" rIns="91425" bIns="91425" anchor="ctr" anchorCtr="0">
-            <a:noAutofit/>
-          </a:bodyPr>
-          <a:lstStyle/>
-          <a:p>
-            <a:pPr marL="0" lvl="0" indent="0" algn="l" rtl="0">
-              <a:spcBef>
-                <a:spcPts val="0"/>
-              </a:spcBef>
-              <a:spcAft>
-                <a:spcPts val="0"/>
-              </a:spcAft>
-              <a:buNone/>
-            </a:pPr>
-            <a:r>
-              <a:rPr lang="en-US" dirty="0">
-                <a:latin typeface="Segoe UI Emoji" panose="020B0502040204020203" pitchFamily="34" charset="0"/>
-                <a:ea typeface="Segoe UI Emoji" panose="020B0502040204020203" pitchFamily="34" charset="0"/>
-              </a:rPr>
-              <a:t>cubing</a:t>
-            </a:r>
-            <a:r>
-              <a:rPr lang="ja-JP" altLang="en-US">
-                <a:latin typeface="Meiryo" panose="020B0604030504040204" pitchFamily="34" charset="-128"/>
-                <a:ea typeface="Meiryo" panose="020B0604030504040204" pitchFamily="34" charset="-128"/>
-              </a:rPr>
-              <a:t>モードの利用手順</a:t>
-            </a:r>
-            <a:endParaRPr dirty="0">
-              <a:latin typeface="Meiryo" panose="020B0604030504040204" pitchFamily="34" charset="-128"/>
-              <a:ea typeface="Meiryo" panose="020B0604030504040204" pitchFamily="34" charset="-128"/>
-            </a:endParaRPr>
-          </a:p>
-        </p:txBody>
-      </p:sp>
-      <p:sp>
-        <p:nvSpPr>
-          <p:cNvPr id="269" name="Google Shape;269;p18"/>
-          <p:cNvSpPr txBox="1">
-            <a:spLocks noGrp="1"/>
-          </p:cNvSpPr>
-          <p:nvPr>
-            <p:ph type="body" idx="2"/>
-          </p:nvPr>
-        </p:nvSpPr>
-        <p:spPr>
-          <a:xfrm>
-            <a:off x="4396123" y="1537988"/>
-            <a:ext cx="3378300" cy="2724300"/>
-          </a:xfrm>
-          <a:prstGeom prst="rect">
-            <a:avLst/>
-          </a:prstGeom>
-        </p:spPr>
-        <p:txBody>
-          <a:bodyPr spcFirstLastPara="1" wrap="square" lIns="91425" tIns="91425" rIns="91425" bIns="91425" anchor="t" anchorCtr="0">
-            <a:noAutofit/>
-          </a:bodyPr>
-          <a:lstStyle/>
-          <a:p>
-            <a:pPr marL="0" lvl="0" indent="0" algn="l" rtl="0">
-              <a:spcBef>
-                <a:spcPts val="600"/>
-              </a:spcBef>
-              <a:spcAft>
-                <a:spcPts val="0"/>
-              </a:spcAft>
-              <a:buNone/>
-            </a:pPr>
-            <a:r>
-              <a:rPr lang="en" b="1"/>
-              <a:t>Black</a:t>
-            </a:r>
-            <a:endParaRPr b="1"/>
-          </a:p>
-          <a:p>
-            <a:pPr marL="0" lvl="0" indent="0" algn="l" rtl="0">
-              <a:spcBef>
-                <a:spcPts val="1000"/>
-              </a:spcBef>
-              <a:spcAft>
-                <a:spcPts val="1000"/>
-              </a:spcAft>
-              <a:buNone/>
-            </a:pPr>
-            <a:r>
-              <a:rPr lang="en"/>
-              <a:t>Is the color of coal, ebony, and of outer space. It is the darkest color, the result of the absence of or complete absorption of light.</a:t>
-            </a:r>
-            <a:endParaRPr/>
-          </a:p>
-        </p:txBody>
-      </p:sp>
-      <p:sp>
-        <p:nvSpPr>
-          <p:cNvPr id="270" name="Google Shape;270;p18"/>
-          <p:cNvSpPr txBox="1">
-            <a:spLocks noGrp="1"/>
-          </p:cNvSpPr>
-          <p:nvPr>
-            <p:ph type="sldNum" idx="12"/>
-          </p:nvPr>
-        </p:nvSpPr>
-        <p:spPr>
-          <a:xfrm>
-            <a:off x="7618000" y="4636500"/>
-            <a:ext cx="1487400" cy="315600"/>
-          </a:xfrm>
-          <a:prstGeom prst="rect">
-            <a:avLst/>
-          </a:prstGeom>
-        </p:spPr>
-        <p:txBody>
-          <a:bodyPr spcFirstLastPara="1" wrap="square" lIns="91425" tIns="91425" rIns="91425" bIns="91425" anchor="ctr" anchorCtr="0">
-            <a:noAutofit/>
-          </a:bodyPr>
-          <a:lstStyle/>
-          <a:p>
-            <a:pPr marL="0" lvl="0" indent="0" algn="r" rtl="0">
-              <a:spcBef>
-                <a:spcPts val="0"/>
-              </a:spcBef>
-              <a:spcAft>
-                <a:spcPts val="0"/>
-              </a:spcAft>
-              <a:buNone/>
-            </a:pPr>
-            <a:fld id="{00000000-1234-1234-1234-123412341234}" type="slidenum">
-              <a:rPr lang="en"/>
-              <a:t>13</a:t>
-            </a:fld>
-            <a:endParaRPr/>
-          </a:p>
-        </p:txBody>
-      </p:sp>
-      <p:grpSp>
-        <p:nvGrpSpPr>
-          <p:cNvPr id="271" name="Google Shape;271;p18"/>
-          <p:cNvGrpSpPr/>
-          <p:nvPr/>
-        </p:nvGrpSpPr>
-        <p:grpSpPr>
-          <a:xfrm>
-            <a:off x="312466" y="587260"/>
-            <a:ext cx="309022" cy="376837"/>
-            <a:chOff x="596350" y="929175"/>
-            <a:chExt cx="407950" cy="497475"/>
-          </a:xfrm>
-        </p:grpSpPr>
-        <p:sp>
-          <p:nvSpPr>
-            <p:cNvPr id="272" name="Google Shape;272;p18"/>
-            <p:cNvSpPr/>
-            <p:nvPr/>
-          </p:nvSpPr>
-          <p:spPr>
-            <a:xfrm>
-              <a:off x="596350" y="953550"/>
-              <a:ext cx="387250" cy="473100"/>
-            </a:xfrm>
-            <a:custGeom>
-              <a:avLst/>
-              <a:gdLst/>
-              <a:ahLst/>
-              <a:cxnLst/>
-              <a:rect l="l" t="t" r="r" b="b"/>
-              <a:pathLst>
-                <a:path w="15490" h="18924" fill="none" extrusionOk="0">
-                  <a:moveTo>
-                    <a:pt x="15490" y="17828"/>
-                  </a:moveTo>
-                  <a:lnTo>
-                    <a:pt x="15490" y="17828"/>
-                  </a:lnTo>
-                  <a:lnTo>
-                    <a:pt x="15466" y="17998"/>
-                  </a:lnTo>
-                  <a:lnTo>
-                    <a:pt x="15417" y="18169"/>
-                  </a:lnTo>
-                  <a:lnTo>
-                    <a:pt x="15319" y="18364"/>
-                  </a:lnTo>
-                  <a:lnTo>
-                    <a:pt x="15198" y="18534"/>
-                  </a:lnTo>
-                  <a:lnTo>
-                    <a:pt x="15052" y="18680"/>
-                  </a:lnTo>
-                  <a:lnTo>
-                    <a:pt x="14881" y="18802"/>
-                  </a:lnTo>
-                  <a:lnTo>
-                    <a:pt x="14735" y="18900"/>
-                  </a:lnTo>
-                  <a:lnTo>
-                    <a:pt x="14564" y="18924"/>
-                  </a:lnTo>
-                  <a:lnTo>
-                    <a:pt x="1023" y="18924"/>
-                  </a:lnTo>
-                  <a:lnTo>
-                    <a:pt x="1023" y="18924"/>
-                  </a:lnTo>
-                  <a:lnTo>
-                    <a:pt x="853" y="18900"/>
-                  </a:lnTo>
-                  <a:lnTo>
-                    <a:pt x="682" y="18802"/>
-                  </a:lnTo>
-                  <a:lnTo>
-                    <a:pt x="512" y="18680"/>
-                  </a:lnTo>
-                  <a:lnTo>
-                    <a:pt x="341" y="18534"/>
-                  </a:lnTo>
-                  <a:lnTo>
-                    <a:pt x="219" y="18364"/>
-                  </a:lnTo>
-                  <a:lnTo>
-                    <a:pt x="98" y="18169"/>
-                  </a:lnTo>
-                  <a:lnTo>
-                    <a:pt x="25" y="17998"/>
-                  </a:lnTo>
-                  <a:lnTo>
-                    <a:pt x="0" y="17828"/>
-                  </a:lnTo>
-                  <a:lnTo>
-                    <a:pt x="0" y="877"/>
-                  </a:lnTo>
-                  <a:lnTo>
-                    <a:pt x="0" y="877"/>
-                  </a:lnTo>
-                  <a:lnTo>
-                    <a:pt x="25" y="706"/>
-                  </a:lnTo>
-                  <a:lnTo>
-                    <a:pt x="98" y="560"/>
-                  </a:lnTo>
-                  <a:lnTo>
-                    <a:pt x="195" y="414"/>
-                  </a:lnTo>
-                  <a:lnTo>
-                    <a:pt x="341" y="268"/>
-                  </a:lnTo>
-                  <a:lnTo>
-                    <a:pt x="487" y="171"/>
-                  </a:lnTo>
-                  <a:lnTo>
-                    <a:pt x="658" y="73"/>
-                  </a:lnTo>
-                  <a:lnTo>
-                    <a:pt x="828" y="24"/>
-                  </a:lnTo>
-                  <a:lnTo>
-                    <a:pt x="974" y="0"/>
-                  </a:lnTo>
-                </a:path>
-              </a:pathLst>
-            </a:custGeom>
-            <a:noFill/>
-            <a:ln w="12175" cap="rnd" cmpd="sng">
-              <a:solidFill>
-                <a:srgbClr val="FF9800"/>
-              </a:solidFill>
-              <a:prstDash val="solid"/>
-              <a:round/>
-              <a:headEnd type="none" w="sm" len="sm"/>
-              <a:tailEnd type="none" w="sm" len="sm"/>
-            </a:ln>
-          </p:spPr>
-          <p:txBody>
-            <a:bodyPr spcFirstLastPara="1" wrap="square" lIns="91425" tIns="91425" rIns="91425" bIns="91425" anchor="ctr" anchorCtr="0">
-              <a:noAutofit/>
-            </a:bodyPr>
-            <a:lstStyle/>
-            <a:p>
-              <a:pPr marL="0" lvl="0" indent="0" algn="l" rtl="0">
-                <a:spcBef>
-                  <a:spcPts val="0"/>
-                </a:spcBef>
-                <a:spcAft>
-                  <a:spcPts val="0"/>
-                </a:spcAft>
-                <a:buNone/>
-              </a:pPr>
-              <a:endParaRPr/>
-            </a:p>
-          </p:txBody>
-        </p:sp>
-        <p:sp>
-          <p:nvSpPr>
-            <p:cNvPr id="273" name="Google Shape;273;p18"/>
-            <p:cNvSpPr/>
-            <p:nvPr/>
-          </p:nvSpPr>
-          <p:spPr>
-            <a:xfrm>
-              <a:off x="626775" y="929175"/>
-              <a:ext cx="377525" cy="462775"/>
-            </a:xfrm>
-            <a:custGeom>
-              <a:avLst/>
-              <a:gdLst/>
-              <a:ahLst/>
-              <a:cxnLst/>
-              <a:rect l="l" t="t" r="r" b="b"/>
-              <a:pathLst>
-                <a:path w="15101" h="18511" fill="none" extrusionOk="0">
-                  <a:moveTo>
-                    <a:pt x="15101" y="3362"/>
-                  </a:moveTo>
-                  <a:lnTo>
-                    <a:pt x="15101" y="17731"/>
-                  </a:lnTo>
-                  <a:lnTo>
-                    <a:pt x="15101" y="17731"/>
-                  </a:lnTo>
-                  <a:lnTo>
-                    <a:pt x="15077" y="17877"/>
-                  </a:lnTo>
-                  <a:lnTo>
-                    <a:pt x="15028" y="18024"/>
-                  </a:lnTo>
-                  <a:lnTo>
-                    <a:pt x="14979" y="18145"/>
-                  </a:lnTo>
-                  <a:lnTo>
-                    <a:pt x="14882" y="18267"/>
-                  </a:lnTo>
-                  <a:lnTo>
-                    <a:pt x="14760" y="18365"/>
-                  </a:lnTo>
-                  <a:lnTo>
-                    <a:pt x="14614" y="18438"/>
-                  </a:lnTo>
-                  <a:lnTo>
-                    <a:pt x="14468" y="18486"/>
-                  </a:lnTo>
-                  <a:lnTo>
-                    <a:pt x="14322" y="18511"/>
-                  </a:lnTo>
-                  <a:lnTo>
-                    <a:pt x="780" y="18511"/>
-                  </a:lnTo>
-                  <a:lnTo>
-                    <a:pt x="780" y="18511"/>
-                  </a:lnTo>
-                  <a:lnTo>
-                    <a:pt x="634" y="18486"/>
-                  </a:lnTo>
-                  <a:lnTo>
-                    <a:pt x="488" y="18438"/>
-                  </a:lnTo>
-                  <a:lnTo>
-                    <a:pt x="342" y="18365"/>
-                  </a:lnTo>
-                  <a:lnTo>
-                    <a:pt x="220" y="18267"/>
-                  </a:lnTo>
-                  <a:lnTo>
-                    <a:pt x="123" y="18145"/>
-                  </a:lnTo>
-                  <a:lnTo>
-                    <a:pt x="74" y="18024"/>
-                  </a:lnTo>
-                  <a:lnTo>
-                    <a:pt x="25" y="17877"/>
-                  </a:lnTo>
-                  <a:lnTo>
-                    <a:pt x="1" y="17731"/>
-                  </a:lnTo>
-                  <a:lnTo>
-                    <a:pt x="1" y="780"/>
-                  </a:lnTo>
-                  <a:lnTo>
-                    <a:pt x="1" y="780"/>
-                  </a:lnTo>
-                  <a:lnTo>
-                    <a:pt x="25" y="610"/>
-                  </a:lnTo>
-                  <a:lnTo>
-                    <a:pt x="74" y="464"/>
-                  </a:lnTo>
-                  <a:lnTo>
-                    <a:pt x="123" y="342"/>
-                  </a:lnTo>
-                  <a:lnTo>
-                    <a:pt x="220" y="220"/>
-                  </a:lnTo>
-                  <a:lnTo>
-                    <a:pt x="342" y="123"/>
-                  </a:lnTo>
-                  <a:lnTo>
-                    <a:pt x="488" y="50"/>
-                  </a:lnTo>
-                  <a:lnTo>
-                    <a:pt x="634" y="1"/>
-                  </a:lnTo>
-                  <a:lnTo>
-                    <a:pt x="780" y="1"/>
-                  </a:lnTo>
-                  <a:lnTo>
-                    <a:pt x="11740" y="1"/>
-                  </a:lnTo>
-                </a:path>
-              </a:pathLst>
-            </a:custGeom>
-            <a:noFill/>
-            <a:ln w="12175" cap="rnd" cmpd="sng">
-              <a:solidFill>
-                <a:srgbClr val="FF9800"/>
-              </a:solidFill>
-              <a:prstDash val="solid"/>
-              <a:round/>
-              <a:headEnd type="none" w="sm" len="sm"/>
-              <a:tailEnd type="none" w="sm" len="sm"/>
-            </a:ln>
-          </p:spPr>
-          <p:txBody>
-            <a:bodyPr spcFirstLastPara="1" wrap="square" lIns="91425" tIns="91425" rIns="91425" bIns="91425" anchor="ctr" anchorCtr="0">
-              <a:noAutofit/>
-            </a:bodyPr>
-            <a:lstStyle/>
-            <a:p>
-              <a:pPr marL="0" lvl="0" indent="0" algn="l" rtl="0">
-                <a:spcBef>
-                  <a:spcPts val="0"/>
-                </a:spcBef>
-                <a:spcAft>
-                  <a:spcPts val="0"/>
-                </a:spcAft>
-                <a:buNone/>
-              </a:pPr>
-              <a:endParaRPr/>
-            </a:p>
-          </p:txBody>
-        </p:sp>
-        <p:sp>
-          <p:nvSpPr>
-            <p:cNvPr id="274" name="Google Shape;274;p18"/>
-            <p:cNvSpPr/>
-            <p:nvPr/>
-          </p:nvSpPr>
-          <p:spPr>
-            <a:xfrm>
-              <a:off x="688900" y="1256150"/>
-              <a:ext cx="133975" cy="25"/>
-            </a:xfrm>
-            <a:custGeom>
-              <a:avLst/>
-              <a:gdLst/>
-              <a:ahLst/>
-              <a:cxnLst/>
-              <a:rect l="l" t="t" r="r" b="b"/>
-              <a:pathLst>
-                <a:path w="5359" h="1" fill="none" extrusionOk="0">
-                  <a:moveTo>
-                    <a:pt x="5358" y="0"/>
-                  </a:moveTo>
-                  <a:lnTo>
-                    <a:pt x="0" y="0"/>
-                  </a:lnTo>
-                </a:path>
-              </a:pathLst>
-            </a:custGeom>
-            <a:noFill/>
-            <a:ln w="12175" cap="rnd" cmpd="sng">
-              <a:solidFill>
-                <a:srgbClr val="FF9800"/>
-              </a:solidFill>
-              <a:prstDash val="solid"/>
-              <a:round/>
-              <a:headEnd type="none" w="sm" len="sm"/>
-              <a:tailEnd type="none" w="sm" len="sm"/>
-            </a:ln>
-          </p:spPr>
-          <p:txBody>
-            <a:bodyPr spcFirstLastPara="1" wrap="square" lIns="91425" tIns="91425" rIns="91425" bIns="91425" anchor="ctr" anchorCtr="0">
-              <a:noAutofit/>
-            </a:bodyPr>
-            <a:lstStyle/>
-            <a:p>
-              <a:pPr marL="0" lvl="0" indent="0" algn="l" rtl="0">
-                <a:spcBef>
-                  <a:spcPts val="0"/>
-                </a:spcBef>
-                <a:spcAft>
-                  <a:spcPts val="0"/>
-                </a:spcAft>
-                <a:buNone/>
-              </a:pPr>
-              <a:endParaRPr/>
-            </a:p>
-          </p:txBody>
-        </p:sp>
-        <p:sp>
-          <p:nvSpPr>
-            <p:cNvPr id="275" name="Google Shape;275;p18"/>
-            <p:cNvSpPr/>
-            <p:nvPr/>
-          </p:nvSpPr>
-          <p:spPr>
-            <a:xfrm>
-              <a:off x="688900" y="1201350"/>
-              <a:ext cx="255750" cy="25"/>
-            </a:xfrm>
-            <a:custGeom>
-              <a:avLst/>
-              <a:gdLst/>
-              <a:ahLst/>
-              <a:cxnLst/>
-              <a:rect l="l" t="t" r="r" b="b"/>
-              <a:pathLst>
-                <a:path w="10230" h="1" fill="none" extrusionOk="0">
-                  <a:moveTo>
-                    <a:pt x="10229" y="1"/>
-                  </a:moveTo>
-                  <a:lnTo>
-                    <a:pt x="0" y="1"/>
-                  </a:lnTo>
-                </a:path>
-              </a:pathLst>
-            </a:custGeom>
-            <a:noFill/>
-            <a:ln w="12175" cap="rnd" cmpd="sng">
-              <a:solidFill>
-                <a:srgbClr val="FF9800"/>
-              </a:solidFill>
-              <a:prstDash val="solid"/>
-              <a:round/>
-              <a:headEnd type="none" w="sm" len="sm"/>
-              <a:tailEnd type="none" w="sm" len="sm"/>
-            </a:ln>
-          </p:spPr>
-          <p:txBody>
-            <a:bodyPr spcFirstLastPara="1" wrap="square" lIns="91425" tIns="91425" rIns="91425" bIns="91425" anchor="ctr" anchorCtr="0">
-              <a:noAutofit/>
-            </a:bodyPr>
-            <a:lstStyle/>
-            <a:p>
-              <a:pPr marL="0" lvl="0" indent="0" algn="l" rtl="0">
-                <a:spcBef>
-                  <a:spcPts val="0"/>
-                </a:spcBef>
-                <a:spcAft>
-                  <a:spcPts val="0"/>
-                </a:spcAft>
-                <a:buNone/>
-              </a:pPr>
-              <a:endParaRPr/>
-            </a:p>
-          </p:txBody>
-        </p:sp>
-        <p:sp>
-          <p:nvSpPr>
-            <p:cNvPr id="276" name="Google Shape;276;p18"/>
-            <p:cNvSpPr/>
-            <p:nvPr/>
-          </p:nvSpPr>
-          <p:spPr>
-            <a:xfrm>
-              <a:off x="688900" y="1145950"/>
-              <a:ext cx="255750" cy="25"/>
-            </a:xfrm>
-            <a:custGeom>
-              <a:avLst/>
-              <a:gdLst/>
-              <a:ahLst/>
-              <a:cxnLst/>
-              <a:rect l="l" t="t" r="r" b="b"/>
-              <a:pathLst>
-                <a:path w="10230" h="1" fill="none" extrusionOk="0">
-                  <a:moveTo>
-                    <a:pt x="10229" y="0"/>
-                  </a:moveTo>
-                  <a:lnTo>
-                    <a:pt x="0" y="0"/>
-                  </a:lnTo>
-                </a:path>
-              </a:pathLst>
-            </a:custGeom>
-            <a:noFill/>
-            <a:ln w="12175" cap="rnd" cmpd="sng">
-              <a:solidFill>
-                <a:srgbClr val="FF9800"/>
-              </a:solidFill>
-              <a:prstDash val="solid"/>
-              <a:round/>
-              <a:headEnd type="none" w="sm" len="sm"/>
-              <a:tailEnd type="none" w="sm" len="sm"/>
-            </a:ln>
-          </p:spPr>
-          <p:txBody>
-            <a:bodyPr spcFirstLastPara="1" wrap="square" lIns="91425" tIns="91425" rIns="91425" bIns="91425" anchor="ctr" anchorCtr="0">
-              <a:noAutofit/>
-            </a:bodyPr>
-            <a:lstStyle/>
-            <a:p>
-              <a:pPr marL="0" lvl="0" indent="0" algn="l" rtl="0">
-                <a:spcBef>
-                  <a:spcPts val="0"/>
-                </a:spcBef>
-                <a:spcAft>
-                  <a:spcPts val="0"/>
-                </a:spcAft>
-                <a:buNone/>
-              </a:pPr>
-              <a:endParaRPr/>
-            </a:p>
-          </p:txBody>
-        </p:sp>
-        <p:sp>
-          <p:nvSpPr>
-            <p:cNvPr id="277" name="Google Shape;277;p18"/>
-            <p:cNvSpPr/>
-            <p:nvPr/>
-          </p:nvSpPr>
-          <p:spPr>
-            <a:xfrm>
-              <a:off x="688900" y="1090525"/>
-              <a:ext cx="255750" cy="25"/>
-            </a:xfrm>
-            <a:custGeom>
-              <a:avLst/>
-              <a:gdLst/>
-              <a:ahLst/>
-              <a:cxnLst/>
-              <a:rect l="l" t="t" r="r" b="b"/>
-              <a:pathLst>
-                <a:path w="10230" h="1" fill="none" extrusionOk="0">
-                  <a:moveTo>
-                    <a:pt x="10229" y="1"/>
-                  </a:moveTo>
-                  <a:lnTo>
-                    <a:pt x="0" y="1"/>
-                  </a:lnTo>
-                </a:path>
-              </a:pathLst>
-            </a:custGeom>
-            <a:noFill/>
-            <a:ln w="12175" cap="rnd" cmpd="sng">
-              <a:solidFill>
-                <a:srgbClr val="FF9800"/>
-              </a:solidFill>
-              <a:prstDash val="solid"/>
-              <a:round/>
-              <a:headEnd type="none" w="sm" len="sm"/>
-              <a:tailEnd type="none" w="sm" len="sm"/>
-            </a:ln>
-          </p:spPr>
-          <p:txBody>
-            <a:bodyPr spcFirstLastPara="1" wrap="square" lIns="91425" tIns="91425" rIns="91425" bIns="91425" anchor="ctr" anchorCtr="0">
-              <a:noAutofit/>
-            </a:bodyPr>
-            <a:lstStyle/>
-            <a:p>
-              <a:pPr marL="0" lvl="0" indent="0" algn="l" rtl="0">
-                <a:spcBef>
-                  <a:spcPts val="0"/>
-                </a:spcBef>
-                <a:spcAft>
-                  <a:spcPts val="0"/>
-                </a:spcAft>
-                <a:buNone/>
-              </a:pPr>
-              <a:endParaRPr/>
-            </a:p>
-          </p:txBody>
-        </p:sp>
-        <p:sp>
-          <p:nvSpPr>
-            <p:cNvPr id="278" name="Google Shape;278;p18"/>
-            <p:cNvSpPr/>
-            <p:nvPr/>
-          </p:nvSpPr>
-          <p:spPr>
-            <a:xfrm>
-              <a:off x="920250" y="929175"/>
-              <a:ext cx="84050" cy="84050"/>
-            </a:xfrm>
-            <a:custGeom>
-              <a:avLst/>
-              <a:gdLst/>
-              <a:ahLst/>
-              <a:cxnLst/>
-              <a:rect l="l" t="t" r="r" b="b"/>
-              <a:pathLst>
-                <a:path w="3362" h="3362" fill="none" extrusionOk="0">
-                  <a:moveTo>
-                    <a:pt x="1" y="2582"/>
-                  </a:moveTo>
-                  <a:lnTo>
-                    <a:pt x="1" y="1"/>
-                  </a:lnTo>
-                  <a:lnTo>
-                    <a:pt x="3362" y="3362"/>
-                  </a:lnTo>
-                  <a:lnTo>
-                    <a:pt x="780" y="3362"/>
-                  </a:lnTo>
-                  <a:lnTo>
-                    <a:pt x="780" y="3362"/>
-                  </a:lnTo>
-                  <a:lnTo>
-                    <a:pt x="610" y="3337"/>
-                  </a:lnTo>
-                  <a:lnTo>
-                    <a:pt x="464" y="3289"/>
-                  </a:lnTo>
-                  <a:lnTo>
-                    <a:pt x="342" y="3216"/>
-                  </a:lnTo>
-                  <a:lnTo>
-                    <a:pt x="220" y="3118"/>
-                  </a:lnTo>
-                  <a:lnTo>
-                    <a:pt x="123" y="3021"/>
-                  </a:lnTo>
-                  <a:lnTo>
-                    <a:pt x="50" y="2875"/>
-                  </a:lnTo>
-                  <a:lnTo>
-                    <a:pt x="1" y="2729"/>
-                  </a:lnTo>
-                  <a:lnTo>
-                    <a:pt x="1" y="2582"/>
-                  </a:lnTo>
-                  <a:lnTo>
-                    <a:pt x="1" y="2582"/>
-                  </a:lnTo>
-                  <a:close/>
-                </a:path>
-              </a:pathLst>
-            </a:custGeom>
-            <a:noFill/>
-            <a:ln w="12175" cap="rnd" cmpd="sng">
-              <a:solidFill>
-                <a:srgbClr val="FF9800"/>
-              </a:solidFill>
-              <a:prstDash val="solid"/>
-              <a:round/>
-              <a:headEnd type="none" w="sm" len="sm"/>
-              <a:tailEnd type="none" w="sm" len="sm"/>
-            </a:ln>
-          </p:spPr>
-          <p:txBody>
-            <a:bodyPr spcFirstLastPara="1" wrap="square" lIns="91425" tIns="91425" rIns="91425" bIns="91425" anchor="ctr" anchorCtr="0">
-              <a:noAutofit/>
-            </a:bodyPr>
-            <a:lstStyle/>
-            <a:p>
-              <a:pPr marL="0" lvl="0" indent="0" algn="l" rtl="0">
-                <a:spcBef>
-                  <a:spcPts val="0"/>
-                </a:spcBef>
-                <a:spcAft>
-                  <a:spcPts val="0"/>
-                </a:spcAft>
-                <a:buNone/>
-              </a:pPr>
-              <a:endParaRPr/>
-            </a:p>
-          </p:txBody>
-        </p:sp>
-      </p:grpSp>
-    </p:spTree>
-    <p:extLst>
-      <p:ext uri="{BB962C8B-B14F-4D97-AF65-F5344CB8AC3E}">
-        <p14:creationId xmlns:p14="http://schemas.microsoft.com/office/powerpoint/2010/main" val="3297910300"/>
-      </p:ext>
-    </p:extLst>
-  </p:cSld>
-  <p:clrMapOvr>
-    <a:masterClrMapping/>
-  </p:clrMapOvr>
-</p:sld>
-</file>
-
-<file path=ppt/slides/slide14.xml><?xml version="1.0" encoding="utf-8"?>
 <p:sld xmlns:a="http://schemas.openxmlformats.org/drawingml/2006/main" xmlns:r="http://schemas.openxmlformats.org/officeDocument/2006/relationships" xmlns:p="http://schemas.openxmlformats.org/presentationml/2006/main">
   <p:cSld>
     <p:spTree>
@@ -10409,7 +9424,7 @@
             </a:pPr>
             <a:fld id="{00000000-1234-1234-1234-123412341234}" type="slidenum">
               <a:rPr lang="en"/>
-              <a:t>14</a:t>
+              <a:t>13</a:t>
             </a:fld>
             <a:endParaRPr/>
           </a:p>
@@ -10428,7 +9443,7 @@
 </p:sld>
 </file>
 
-<file path=ppt/slides/slide15.xml><?xml version="1.0" encoding="utf-8"?>
+<file path=ppt/slides/slide14.xml><?xml version="1.0" encoding="utf-8"?>
 <p:sld xmlns:a="http://schemas.openxmlformats.org/drawingml/2006/main" xmlns:r="http://schemas.openxmlformats.org/officeDocument/2006/relationships" xmlns:p="http://schemas.openxmlformats.org/presentationml/2006/main">
   <p:cSld>
     <p:spTree>
@@ -10652,7 +9667,7 @@
             </a:pPr>
             <a:fld id="{00000000-1234-1234-1234-123412341234}" type="slidenum">
               <a:rPr lang="en"/>
-              <a:t>15</a:t>
+              <a:t>14</a:t>
             </a:fld>
             <a:endParaRPr/>
           </a:p>
@@ -11303,7 +10318,7 @@
 </p:sld>
 </file>
 
-<file path=ppt/slides/slide16.xml><?xml version="1.0" encoding="utf-8"?>
+<file path=ppt/slides/slide15.xml><?xml version="1.0" encoding="utf-8"?>
 <p:sld xmlns:a="http://schemas.openxmlformats.org/drawingml/2006/main" xmlns:r="http://schemas.openxmlformats.org/officeDocument/2006/relationships" xmlns:p="http://schemas.openxmlformats.org/presentationml/2006/main">
   <p:cSld>
     <p:spTree>
@@ -11439,7 +10454,7 @@
             </a:pPr>
             <a:fld id="{00000000-1234-1234-1234-123412341234}" type="slidenum">
               <a:rPr lang="en"/>
-              <a:t>16</a:t>
+              <a:t>15</a:t>
             </a:fld>
             <a:endParaRPr/>
           </a:p>
@@ -11516,7 +10531,7 @@
 </p:sld>
 </file>
 
-<file path=ppt/slides/slide17.xml><?xml version="1.0" encoding="utf-8"?>
+<file path=ppt/slides/slide16.xml><?xml version="1.0" encoding="utf-8"?>
 <p:sld xmlns:a="http://schemas.openxmlformats.org/drawingml/2006/main" xmlns:r="http://schemas.openxmlformats.org/officeDocument/2006/relationships" xmlns:p="http://schemas.openxmlformats.org/presentationml/2006/main">
   <p:cSld>
     <p:spTree>
@@ -11722,7 +10737,7 @@
             </a:pPr>
             <a:fld id="{00000000-1234-1234-1234-123412341234}" type="slidenum">
               <a:rPr lang="en"/>
-              <a:t>17</a:t>
+              <a:t>16</a:t>
             </a:fld>
             <a:endParaRPr/>
           </a:p>
@@ -12373,7 +11388,7 @@
 </p:sld>
 </file>
 
-<file path=ppt/slides/slide18.xml><?xml version="1.0" encoding="utf-8"?>
+<file path=ppt/slides/slide17.xml><?xml version="1.0" encoding="utf-8"?>
 <p:sld xmlns:a="http://schemas.openxmlformats.org/drawingml/2006/main" xmlns:r="http://schemas.openxmlformats.org/officeDocument/2006/relationships" xmlns:p="http://schemas.openxmlformats.org/presentationml/2006/main">
   <p:cSld>
     <p:spTree>
@@ -12474,7 +11489,7 @@
             </a:pPr>
             <a:fld id="{00000000-1234-1234-1234-123412341234}" type="slidenum">
               <a:rPr lang="en"/>
-              <a:t>18</a:t>
+              <a:t>17</a:t>
             </a:fld>
             <a:endParaRPr/>
           </a:p>
@@ -14069,148 +13084,6 @@
       </p:sp>
       <p:sp>
         <p:nvSpPr>
-          <p:cNvPr id="191" name="Google Shape;191;p12"/>
-          <p:cNvSpPr txBox="1">
-            <a:spLocks noGrp="1"/>
-          </p:cNvSpPr>
-          <p:nvPr>
-            <p:ph type="body" idx="2"/>
-          </p:nvPr>
-        </p:nvSpPr>
-        <p:spPr>
-          <a:xfrm>
-            <a:off x="814275" y="4286925"/>
-            <a:ext cx="5168400" cy="826500"/>
-          </a:xfrm>
-          <a:prstGeom prst="rect">
-            <a:avLst/>
-          </a:prstGeom>
-        </p:spPr>
-        <p:txBody>
-          <a:bodyPr spcFirstLastPara="1" wrap="square" lIns="91425" tIns="91425" rIns="91425" bIns="91425" anchor="t" anchorCtr="0">
-            <a:noAutofit/>
-          </a:bodyPr>
-          <a:lstStyle/>
-          <a:p>
-            <a:pPr marL="0" lvl="0" indent="0" algn="l" rtl="0">
-              <a:spcBef>
-                <a:spcPts val="0"/>
-              </a:spcBef>
-              <a:spcAft>
-                <a:spcPts val="0"/>
-              </a:spcAft>
-              <a:buNone/>
-            </a:pPr>
-            <a:r>
-              <a:rPr lang="en" sz="1000" b="1" i="1">
-                <a:solidFill>
-                  <a:srgbClr val="3F5378"/>
-                </a:solidFill>
-              </a:rPr>
-              <a:t>More info on how to use this template at </a:t>
-            </a:r>
-            <a:r>
-              <a:rPr lang="en" sz="1000" b="1" i="1" u="sng">
-                <a:solidFill>
-                  <a:srgbClr val="3F5378"/>
-                </a:solidFill>
-                <a:hlinkClick r:id="rId3"/>
-              </a:rPr>
-              <a:t>www.slidescarnival.com/help-use-presentation-template</a:t>
-            </a:r>
-            <a:endParaRPr sz="1000" b="1" i="1">
-              <a:solidFill>
-                <a:srgbClr val="3F5378"/>
-              </a:solidFill>
-            </a:endParaRPr>
-          </a:p>
-          <a:p>
-            <a:pPr marL="0" lvl="0" indent="0" algn="l" rtl="0">
-              <a:spcBef>
-                <a:spcPts val="0"/>
-              </a:spcBef>
-              <a:spcAft>
-                <a:spcPts val="0"/>
-              </a:spcAft>
-              <a:buClr>
-                <a:schemeClr val="dk1"/>
-              </a:buClr>
-              <a:buSzPts val="1100"/>
-              <a:buFont typeface="Arial"/>
-              <a:buNone/>
-            </a:pPr>
-            <a:r>
-              <a:rPr lang="en" sz="1000" i="1">
-                <a:solidFill>
-                  <a:srgbClr val="3F5378"/>
-                </a:solidFill>
-              </a:rPr>
-              <a:t>This template is free to use under </a:t>
-            </a:r>
-            <a:r>
-              <a:rPr lang="en" sz="1000" i="1" u="sng">
-                <a:solidFill>
-                  <a:srgbClr val="3F5378"/>
-                </a:solidFill>
-                <a:hlinkClick r:id="rId4"/>
-              </a:rPr>
-              <a:t>Creative Commons Attribution license</a:t>
-            </a:r>
-            <a:r>
-              <a:rPr lang="en" sz="1000" i="1">
-                <a:solidFill>
-                  <a:srgbClr val="3F5378"/>
-                </a:solidFill>
-              </a:rPr>
-              <a:t>. You can keep the Credits slide or mention SlidesCarnival and other resources used in a slide footer.</a:t>
-            </a:r>
-            <a:endParaRPr sz="1000" i="1">
-              <a:solidFill>
-                <a:srgbClr val="3F5378"/>
-              </a:solidFill>
-            </a:endParaRPr>
-          </a:p>
-          <a:p>
-            <a:pPr marL="0" lvl="0" indent="0" algn="l" rtl="0">
-              <a:spcBef>
-                <a:spcPts val="0"/>
-              </a:spcBef>
-              <a:spcAft>
-                <a:spcPts val="0"/>
-              </a:spcAft>
-              <a:buClr>
-                <a:schemeClr val="dk1"/>
-              </a:buClr>
-              <a:buSzPts val="1100"/>
-              <a:buFont typeface="Arial"/>
-              <a:buNone/>
-            </a:pPr>
-            <a:endParaRPr sz="1000" i="1">
-              <a:solidFill>
-                <a:srgbClr val="3F5378"/>
-              </a:solidFill>
-            </a:endParaRPr>
-          </a:p>
-          <a:p>
-            <a:pPr marL="0" lvl="0" indent="0" algn="l" rtl="0">
-              <a:spcBef>
-                <a:spcPts val="0"/>
-              </a:spcBef>
-              <a:spcAft>
-                <a:spcPts val="0"/>
-              </a:spcAft>
-              <a:buNone/>
-            </a:pPr>
-            <a:endParaRPr sz="1000" i="1">
-              <a:solidFill>
-                <a:srgbClr val="3F5378"/>
-              </a:solidFill>
-            </a:endParaRPr>
-          </a:p>
-        </p:txBody>
-      </p:sp>
-      <p:sp>
-        <p:nvSpPr>
           <p:cNvPr id="192" name="Google Shape;192;p12"/>
           <p:cNvSpPr txBox="1">
             <a:spLocks noGrp="1"/>
@@ -16113,64 +14986,6 @@
       </p:grpSpPr>
       <p:sp>
         <p:nvSpPr>
-          <p:cNvPr id="267" name="Google Shape;267;p18"/>
-          <p:cNvSpPr txBox="1">
-            <a:spLocks noGrp="1"/>
-          </p:cNvSpPr>
-          <p:nvPr>
-            <p:ph type="body" idx="1"/>
-          </p:nvPr>
-        </p:nvSpPr>
-        <p:spPr>
-          <a:xfrm>
-            <a:off x="814275" y="1537988"/>
-            <a:ext cx="3378300" cy="2724300"/>
-          </a:xfrm>
-          <a:prstGeom prst="rect">
-            <a:avLst/>
-          </a:prstGeom>
-        </p:spPr>
-        <p:txBody>
-          <a:bodyPr spcFirstLastPara="1" wrap="square" lIns="91425" tIns="91425" rIns="91425" bIns="91425" anchor="t" anchorCtr="0">
-            <a:noAutofit/>
-          </a:bodyPr>
-          <a:lstStyle/>
-          <a:p>
-            <a:pPr marL="0" lvl="0" indent="0" algn="l" rtl="0">
-              <a:spcBef>
-                <a:spcPts val="600"/>
-              </a:spcBef>
-              <a:spcAft>
-                <a:spcPts val="0"/>
-              </a:spcAft>
-              <a:buNone/>
-            </a:pPr>
-            <a:r>
-              <a:rPr lang="en" b="1"/>
-              <a:t>White</a:t>
-            </a:r>
-            <a:endParaRPr b="1"/>
-          </a:p>
-          <a:p>
-            <a:pPr marL="0" lvl="0" indent="0" algn="l" rtl="0">
-              <a:spcBef>
-                <a:spcPts val="1000"/>
-              </a:spcBef>
-              <a:spcAft>
-                <a:spcPts val="1000"/>
-              </a:spcAft>
-              <a:buNone/>
-            </a:pPr>
-            <a:r>
-              <a:rPr lang="en"/>
-              <a:t>Is the color of milk and fresh snow, the color produced by the combination of all the colors of the visible spectrum.</a:t>
-            </a:r>
-            <a:endParaRPr/>
-          </a:p>
-        </p:txBody>
-      </p:sp>
-      <p:sp>
-        <p:nvSpPr>
           <p:cNvPr id="268" name="Google Shape;268;p18"/>
           <p:cNvSpPr txBox="1">
             <a:spLocks noGrp="1"/>
@@ -16214,64 +15029,6 @@
               <a:latin typeface="Meiryo" panose="020B0604030504040204" pitchFamily="34" charset="-128"/>
               <a:ea typeface="Meiryo" panose="020B0604030504040204" pitchFamily="34" charset="-128"/>
             </a:endParaRPr>
-          </a:p>
-        </p:txBody>
-      </p:sp>
-      <p:sp>
-        <p:nvSpPr>
-          <p:cNvPr id="269" name="Google Shape;269;p18"/>
-          <p:cNvSpPr txBox="1">
-            <a:spLocks noGrp="1"/>
-          </p:cNvSpPr>
-          <p:nvPr>
-            <p:ph type="body" idx="2"/>
-          </p:nvPr>
-        </p:nvSpPr>
-        <p:spPr>
-          <a:xfrm>
-            <a:off x="4396123" y="1537988"/>
-            <a:ext cx="3378300" cy="2724300"/>
-          </a:xfrm>
-          <a:prstGeom prst="rect">
-            <a:avLst/>
-          </a:prstGeom>
-        </p:spPr>
-        <p:txBody>
-          <a:bodyPr spcFirstLastPara="1" wrap="square" lIns="91425" tIns="91425" rIns="91425" bIns="91425" anchor="t" anchorCtr="0">
-            <a:noAutofit/>
-          </a:bodyPr>
-          <a:lstStyle/>
-          <a:p>
-            <a:pPr marL="0" lvl="0" indent="0" algn="l" rtl="0">
-              <a:spcBef>
-                <a:spcPts val="600"/>
-              </a:spcBef>
-              <a:spcAft>
-                <a:spcPts val="0"/>
-              </a:spcAft>
-              <a:buNone/>
-            </a:pPr>
-            <a:r>
-              <a:rPr lang="en" b="1"/>
-              <a:t>Black</a:t>
-            </a:r>
-            <a:endParaRPr b="1"/>
-          </a:p>
-          <a:p>
-            <a:pPr marL="0" lvl="0" indent="0" algn="l" rtl="0">
-              <a:spcBef>
-                <a:spcPts val="1000"/>
-              </a:spcBef>
-              <a:spcAft>
-                <a:spcPts val="1000"/>
-              </a:spcAft>
-              <a:buNone/>
-            </a:pPr>
-            <a:r>
-              <a:rPr lang="en"/>
-              <a:t>Is the color of coal, ebony, and of outer space. It is the darkest color, the result of the absence of or complete absorption of light.</a:t>
-            </a:r>
-            <a:endParaRPr/>
           </a:p>
         </p:txBody>
       </p:sp>
@@ -16949,6 +15706,147 @@
           </p:txBody>
         </p:sp>
       </p:grpSp>
+      <p:sp>
+        <p:nvSpPr>
+          <p:cNvPr id="6" name="テキスト ボックス 5">
+            <a:extLst>
+              <a:ext uri="{FF2B5EF4-FFF2-40B4-BE49-F238E27FC236}">
+                <a16:creationId xmlns:a16="http://schemas.microsoft.com/office/drawing/2014/main" id="{CA9004B6-2C2F-B141-AB3E-CA480C78AC88}"/>
+              </a:ext>
+            </a:extLst>
+          </p:cNvPr>
+          <p:cNvSpPr txBox="1"/>
+          <p:nvPr/>
+        </p:nvSpPr>
+        <p:spPr>
+          <a:xfrm>
+            <a:off x="149628" y="1596041"/>
+            <a:ext cx="6437594" cy="369332"/>
+          </a:xfrm>
+          <a:prstGeom prst="rect">
+            <a:avLst/>
+          </a:prstGeom>
+          <a:noFill/>
+        </p:spPr>
+        <p:txBody>
+          <a:bodyPr wrap="square" rtlCol="0">
+            <a:spAutoFit/>
+          </a:bodyPr>
+          <a:lstStyle/>
+          <a:p>
+            <a:r>
+              <a:rPr lang="ja-JP" altLang="en-US" sz="1800">
+                <a:latin typeface="Meiryo" panose="020B0604030504040204" pitchFamily="34" charset="-128"/>
+                <a:ea typeface="Meiryo" panose="020B0604030504040204" pitchFamily="34" charset="-128"/>
+              </a:rPr>
+              <a:t>・第三者が通信文を見ても読めないように変換すること</a:t>
+            </a:r>
+          </a:p>
+        </p:txBody>
+      </p:sp>
+      <p:pic>
+        <p:nvPicPr>
+          <p:cNvPr id="7" name="図 6">
+            <a:extLst>
+              <a:ext uri="{FF2B5EF4-FFF2-40B4-BE49-F238E27FC236}">
+                <a16:creationId xmlns:a16="http://schemas.microsoft.com/office/drawing/2014/main" id="{87605899-7596-5040-B484-B981E345D76C}"/>
+              </a:ext>
+            </a:extLst>
+          </p:cNvPr>
+          <p:cNvPicPr>
+            <a:picLocks noChangeAspect="1"/>
+          </p:cNvPicPr>
+          <p:nvPr/>
+        </p:nvPicPr>
+        <p:blipFill>
+          <a:blip r:embed="rId3"/>
+          <a:stretch>
+            <a:fillRect/>
+          </a:stretch>
+        </p:blipFill>
+        <p:spPr>
+          <a:xfrm>
+            <a:off x="1086755" y="2252493"/>
+            <a:ext cx="6970490" cy="1786033"/>
+          </a:xfrm>
+          <a:prstGeom prst="rect">
+            <a:avLst/>
+          </a:prstGeom>
+        </p:spPr>
+      </p:pic>
+      <p:sp>
+        <p:nvSpPr>
+          <p:cNvPr id="8" name="正方形/長方形 7">
+            <a:extLst>
+              <a:ext uri="{FF2B5EF4-FFF2-40B4-BE49-F238E27FC236}">
+                <a16:creationId xmlns:a16="http://schemas.microsoft.com/office/drawing/2014/main" id="{FD1FFDB9-C30B-6A4A-BCA6-370420CCC800}"/>
+              </a:ext>
+            </a:extLst>
+          </p:cNvPr>
+          <p:cNvSpPr/>
+          <p:nvPr/>
+        </p:nvSpPr>
+        <p:spPr>
+          <a:xfrm>
+            <a:off x="4459785" y="3990082"/>
+            <a:ext cx="3597460" cy="307777"/>
+          </a:xfrm>
+          <a:prstGeom prst="rect">
+            <a:avLst/>
+          </a:prstGeom>
+        </p:spPr>
+        <p:txBody>
+          <a:bodyPr wrap="none">
+            <a:spAutoFit/>
+          </a:bodyPr>
+          <a:lstStyle/>
+          <a:p>
+            <a:r>
+              <a:rPr lang="en" altLang="ja-JP" dirty="0"/>
+              <a:t>http://www.melody-kobo.com/qa-ssl01.html</a:t>
+            </a:r>
+            <a:endParaRPr lang="ja-JP" altLang="en-US"/>
+          </a:p>
+        </p:txBody>
+      </p:sp>
+      <p:sp>
+        <p:nvSpPr>
+          <p:cNvPr id="9" name="テキスト ボックス 8">
+            <a:extLst>
+              <a:ext uri="{FF2B5EF4-FFF2-40B4-BE49-F238E27FC236}">
+                <a16:creationId xmlns:a16="http://schemas.microsoft.com/office/drawing/2014/main" id="{F096A3F5-102A-1541-AA8F-4A9095A72359}"/>
+              </a:ext>
+            </a:extLst>
+          </p:cNvPr>
+          <p:cNvSpPr txBox="1"/>
+          <p:nvPr/>
+        </p:nvSpPr>
+        <p:spPr>
+          <a:xfrm>
+            <a:off x="149628" y="1965373"/>
+            <a:ext cx="5561215" cy="369332"/>
+          </a:xfrm>
+          <a:prstGeom prst="rect">
+            <a:avLst/>
+          </a:prstGeom>
+          <a:noFill/>
+        </p:spPr>
+        <p:txBody>
+          <a:bodyPr wrap="square" rtlCol="0">
+            <a:spAutoFit/>
+          </a:bodyPr>
+          <a:lstStyle/>
+          <a:p>
+            <a:r>
+              <a:rPr lang="ja-JP" altLang="en-US" sz="1800">
+                <a:latin typeface="Meiryo" panose="020B0604030504040204" pitchFamily="34" charset="-128"/>
+                <a:ea typeface="Meiryo" panose="020B0604030504040204" pitchFamily="34" charset="-128"/>
+              </a:rPr>
+              <a:t>・個人情報を扱う多くの通信で使われている</a:t>
+            </a:r>
+          </a:p>
+        </p:txBody>
+      </p:sp>
     </p:spTree>
     <p:extLst>
       <p:ext uri="{BB962C8B-B14F-4D97-AF65-F5344CB8AC3E}">
@@ -16981,64 +15879,6 @@
       </p:grpSpPr>
       <p:sp>
         <p:nvSpPr>
-          <p:cNvPr id="267" name="Google Shape;267;p18"/>
-          <p:cNvSpPr txBox="1">
-            <a:spLocks noGrp="1"/>
-          </p:cNvSpPr>
-          <p:nvPr>
-            <p:ph type="body" idx="1"/>
-          </p:nvPr>
-        </p:nvSpPr>
-        <p:spPr>
-          <a:xfrm>
-            <a:off x="814275" y="1537988"/>
-            <a:ext cx="3378300" cy="2724300"/>
-          </a:xfrm>
-          <a:prstGeom prst="rect">
-            <a:avLst/>
-          </a:prstGeom>
-        </p:spPr>
-        <p:txBody>
-          <a:bodyPr spcFirstLastPara="1" wrap="square" lIns="91425" tIns="91425" rIns="91425" bIns="91425" anchor="t" anchorCtr="0">
-            <a:noAutofit/>
-          </a:bodyPr>
-          <a:lstStyle/>
-          <a:p>
-            <a:pPr marL="0" lvl="0" indent="0" algn="l" rtl="0">
-              <a:spcBef>
-                <a:spcPts val="600"/>
-              </a:spcBef>
-              <a:spcAft>
-                <a:spcPts val="0"/>
-              </a:spcAft>
-              <a:buNone/>
-            </a:pPr>
-            <a:r>
-              <a:rPr lang="en" b="1"/>
-              <a:t>White</a:t>
-            </a:r>
-            <a:endParaRPr b="1"/>
-          </a:p>
-          <a:p>
-            <a:pPr marL="0" lvl="0" indent="0" algn="l" rtl="0">
-              <a:spcBef>
-                <a:spcPts val="1000"/>
-              </a:spcBef>
-              <a:spcAft>
-                <a:spcPts val="1000"/>
-              </a:spcAft>
-              <a:buNone/>
-            </a:pPr>
-            <a:r>
-              <a:rPr lang="en"/>
-              <a:t>Is the color of milk and fresh snow, the color produced by the combination of all the colors of the visible spectrum.</a:t>
-            </a:r>
-            <a:endParaRPr/>
-          </a:p>
-        </p:txBody>
-      </p:sp>
-      <p:sp>
-        <p:nvSpPr>
           <p:cNvPr id="268" name="Google Shape;268;p18"/>
           <p:cNvSpPr txBox="1">
             <a:spLocks noGrp="1"/>
@@ -17082,64 +15922,6 @@
               <a:latin typeface="Meiryo" panose="020B0604030504040204" pitchFamily="34" charset="-128"/>
               <a:ea typeface="Meiryo" panose="020B0604030504040204" pitchFamily="34" charset="-128"/>
             </a:endParaRPr>
-          </a:p>
-        </p:txBody>
-      </p:sp>
-      <p:sp>
-        <p:nvSpPr>
-          <p:cNvPr id="269" name="Google Shape;269;p18"/>
-          <p:cNvSpPr txBox="1">
-            <a:spLocks noGrp="1"/>
-          </p:cNvSpPr>
-          <p:nvPr>
-            <p:ph type="body" idx="2"/>
-          </p:nvPr>
-        </p:nvSpPr>
-        <p:spPr>
-          <a:xfrm>
-            <a:off x="4396123" y="1537988"/>
-            <a:ext cx="3378300" cy="2724300"/>
-          </a:xfrm>
-          <a:prstGeom prst="rect">
-            <a:avLst/>
-          </a:prstGeom>
-        </p:spPr>
-        <p:txBody>
-          <a:bodyPr spcFirstLastPara="1" wrap="square" lIns="91425" tIns="91425" rIns="91425" bIns="91425" anchor="t" anchorCtr="0">
-            <a:noAutofit/>
-          </a:bodyPr>
-          <a:lstStyle/>
-          <a:p>
-            <a:pPr marL="0" lvl="0" indent="0" algn="l" rtl="0">
-              <a:spcBef>
-                <a:spcPts val="600"/>
-              </a:spcBef>
-              <a:spcAft>
-                <a:spcPts val="0"/>
-              </a:spcAft>
-              <a:buNone/>
-            </a:pPr>
-            <a:r>
-              <a:rPr lang="en" b="1"/>
-              <a:t>Black</a:t>
-            </a:r>
-            <a:endParaRPr b="1"/>
-          </a:p>
-          <a:p>
-            <a:pPr marL="0" lvl="0" indent="0" algn="l" rtl="0">
-              <a:spcBef>
-                <a:spcPts val="1000"/>
-              </a:spcBef>
-              <a:spcAft>
-                <a:spcPts val="1000"/>
-              </a:spcAft>
-              <a:buNone/>
-            </a:pPr>
-            <a:r>
-              <a:rPr lang="en"/>
-              <a:t>Is the color of coal, ebony, and of outer space. It is the darkest color, the result of the absence of or complete absorption of light.</a:t>
-            </a:r>
-            <a:endParaRPr/>
           </a:p>
         </p:txBody>
       </p:sp>
@@ -17817,6 +16599,190 @@
           </p:txBody>
         </p:sp>
       </p:grpSp>
+      <p:pic>
+        <p:nvPicPr>
+          <p:cNvPr id="6" name="図 5">
+            <a:extLst>
+              <a:ext uri="{FF2B5EF4-FFF2-40B4-BE49-F238E27FC236}">
+                <a16:creationId xmlns:a16="http://schemas.microsoft.com/office/drawing/2014/main" id="{094BE98D-56A6-DD4C-8236-204BAFA07B2B}"/>
+              </a:ext>
+            </a:extLst>
+          </p:cNvPr>
+          <p:cNvPicPr>
+            <a:picLocks noChangeAspect="1"/>
+          </p:cNvPicPr>
+          <p:nvPr/>
+        </p:nvPicPr>
+        <p:blipFill>
+          <a:blip r:embed="rId3"/>
+          <a:stretch>
+            <a:fillRect/>
+          </a:stretch>
+        </p:blipFill>
+        <p:spPr>
+          <a:xfrm>
+            <a:off x="1190567" y="2127250"/>
+            <a:ext cx="2540000" cy="889000"/>
+          </a:xfrm>
+          <a:prstGeom prst="rect">
+            <a:avLst/>
+          </a:prstGeom>
+        </p:spPr>
+      </p:pic>
+      <p:sp>
+        <p:nvSpPr>
+          <p:cNvPr id="9" name="正方形/長方形 8">
+            <a:extLst>
+              <a:ext uri="{FF2B5EF4-FFF2-40B4-BE49-F238E27FC236}">
+                <a16:creationId xmlns:a16="http://schemas.microsoft.com/office/drawing/2014/main" id="{563BB0B2-B75D-E242-8AF2-4EBC262B9985}"/>
+              </a:ext>
+            </a:extLst>
+          </p:cNvPr>
+          <p:cNvSpPr/>
+          <p:nvPr/>
+        </p:nvSpPr>
+        <p:spPr>
+          <a:xfrm>
+            <a:off x="3266901" y="4750925"/>
+            <a:ext cx="4572000" cy="307777"/>
+          </a:xfrm>
+          <a:prstGeom prst="rect">
+            <a:avLst/>
+          </a:prstGeom>
+        </p:spPr>
+        <p:txBody>
+          <a:bodyPr>
+            <a:spAutoFit/>
+          </a:bodyPr>
+          <a:lstStyle/>
+          <a:p>
+            <a:r>
+              <a:rPr lang="en" altLang="ja-JP" dirty="0"/>
+              <a:t>https://ja.wikipedia.org/wiki/RSA</a:t>
+            </a:r>
+            <a:r>
+              <a:rPr lang="ja-JP" altLang="en-US"/>
+              <a:t>セキュリティ</a:t>
+            </a:r>
+          </a:p>
+        </p:txBody>
+      </p:sp>
+      <p:sp>
+        <p:nvSpPr>
+          <p:cNvPr id="10" name="テキスト ボックス 9">
+            <a:extLst>
+              <a:ext uri="{FF2B5EF4-FFF2-40B4-BE49-F238E27FC236}">
+                <a16:creationId xmlns:a16="http://schemas.microsoft.com/office/drawing/2014/main" id="{9100D967-9839-864C-985A-BDC4C8164A77}"/>
+              </a:ext>
+            </a:extLst>
+          </p:cNvPr>
+          <p:cNvSpPr txBox="1"/>
+          <p:nvPr/>
+        </p:nvSpPr>
+        <p:spPr>
+          <a:xfrm>
+            <a:off x="5413433" y="1848475"/>
+            <a:ext cx="2540000" cy="1446550"/>
+          </a:xfrm>
+          <a:prstGeom prst="rect">
+            <a:avLst/>
+          </a:prstGeom>
+          <a:noFill/>
+        </p:spPr>
+        <p:txBody>
+          <a:bodyPr wrap="square" rtlCol="0">
+            <a:spAutoFit/>
+          </a:bodyPr>
+          <a:lstStyle/>
+          <a:p>
+            <a:r>
+              <a:rPr kumimoji="1" lang="en-US" altLang="ja-JP" sz="8800" dirty="0"/>
+              <a:t>AES</a:t>
+            </a:r>
+            <a:endParaRPr kumimoji="1" lang="ja-JP" altLang="en-US" sz="8800"/>
+          </a:p>
+        </p:txBody>
+      </p:sp>
+      <p:sp>
+        <p:nvSpPr>
+          <p:cNvPr id="11" name="テキスト ボックス 10">
+            <a:extLst>
+              <a:ext uri="{FF2B5EF4-FFF2-40B4-BE49-F238E27FC236}">
+                <a16:creationId xmlns:a16="http://schemas.microsoft.com/office/drawing/2014/main" id="{8D6A2C60-A776-1C46-8E03-897695BF60B7}"/>
+              </a:ext>
+            </a:extLst>
+          </p:cNvPr>
+          <p:cNvSpPr txBox="1"/>
+          <p:nvPr/>
+        </p:nvSpPr>
+        <p:spPr>
+          <a:xfrm>
+            <a:off x="814275" y="3736043"/>
+            <a:ext cx="6427433" cy="369332"/>
+          </a:xfrm>
+          <a:prstGeom prst="rect">
+            <a:avLst/>
+          </a:prstGeom>
+          <a:noFill/>
+        </p:spPr>
+        <p:txBody>
+          <a:bodyPr wrap="square" rtlCol="0">
+            <a:spAutoFit/>
+          </a:bodyPr>
+          <a:lstStyle/>
+          <a:p>
+            <a:r>
+              <a:rPr kumimoji="1" lang="ja-JP" altLang="en-US" sz="1800">
+                <a:latin typeface="Meiryo" panose="020B0604030504040204" pitchFamily="34" charset="-128"/>
+                <a:ea typeface="Meiryo" panose="020B0604030504040204" pitchFamily="34" charset="-128"/>
+              </a:rPr>
+              <a:t>・</a:t>
+            </a:r>
+            <a:r>
+              <a:rPr kumimoji="1" lang="en-US" altLang="ja-JP" sz="1800" dirty="0">
+                <a:latin typeface="Meiryo" panose="020B0604030504040204" pitchFamily="34" charset="-128"/>
+                <a:ea typeface="Meiryo" panose="020B0604030504040204" pitchFamily="34" charset="-128"/>
+              </a:rPr>
+              <a:t>Web</a:t>
+            </a:r>
+            <a:r>
+              <a:rPr kumimoji="1" lang="ja-JP" altLang="en-US" sz="1800">
+                <a:latin typeface="Meiryo" panose="020B0604030504040204" pitchFamily="34" charset="-128"/>
+                <a:ea typeface="Meiryo" panose="020B0604030504040204" pitchFamily="34" charset="-128"/>
+              </a:rPr>
+              <a:t>の</a:t>
+            </a:r>
+            <a:r>
+              <a:rPr kumimoji="1" lang="en-US" altLang="ja-JP" sz="1800" dirty="0">
+                <a:latin typeface="Meiryo" panose="020B0604030504040204" pitchFamily="34" charset="-128"/>
+                <a:ea typeface="Meiryo" panose="020B0604030504040204" pitchFamily="34" charset="-128"/>
+              </a:rPr>
+              <a:t>https</a:t>
+            </a:r>
+            <a:r>
+              <a:rPr kumimoji="1" lang="ja-JP" altLang="en-US" sz="1800">
+                <a:latin typeface="Meiryo" panose="020B0604030504040204" pitchFamily="34" charset="-128"/>
+                <a:ea typeface="Meiryo" panose="020B0604030504040204" pitchFamily="34" charset="-128"/>
+              </a:rPr>
+              <a:t>通信における</a:t>
+            </a:r>
+            <a:r>
+              <a:rPr kumimoji="1" lang="en-US" altLang="ja-JP" sz="1800" dirty="0">
+                <a:latin typeface="Meiryo" panose="020B0604030504040204" pitchFamily="34" charset="-128"/>
+                <a:ea typeface="Meiryo" panose="020B0604030504040204" pitchFamily="34" charset="-128"/>
+              </a:rPr>
+              <a:t>TLS</a:t>
+            </a:r>
+            <a:r>
+              <a:rPr kumimoji="1" lang="ja-JP" altLang="en-US" sz="1800">
+                <a:latin typeface="Meiryo" panose="020B0604030504040204" pitchFamily="34" charset="-128"/>
+                <a:ea typeface="Meiryo" panose="020B0604030504040204" pitchFamily="34" charset="-128"/>
+              </a:rPr>
+              <a:t>などで利用されている</a:t>
+            </a:r>
+          </a:p>
+        </p:txBody>
+      </p:sp>
     </p:spTree>
     <p:extLst>
       <p:ext uri="{BB962C8B-B14F-4D97-AF65-F5344CB8AC3E}">
